--- a/BCT - Block Chain Technology/BCT_Notes_Unit1.pptx
+++ b/BCT - Block Chain Technology/BCT_Notes_Unit1.pptx
@@ -151,6 +151,22 @@
       </a:defRPr>
     </a:lvl9pPr>
   </p:defaultTextStyle>
+  <p:extLst>
+    <p:ext uri="{EFAFB233-063F-42B5-8137-9DF3F51BA10A}">
+      <p15:sldGuideLst xmlns:p15="http://schemas.microsoft.com/office/powerpoint/2012/main">
+        <p15:guide id="1" orient="horz" pos="2160">
+          <p15:clr>
+            <a:srgbClr val="A4A3A4"/>
+          </p15:clr>
+        </p15:guide>
+        <p15:guide id="2" pos="2880">
+          <p15:clr>
+            <a:srgbClr val="A4A3A4"/>
+          </p15:clr>
+        </p15:guide>
+      </p15:sldGuideLst>
+    </p:ext>
+  </p:extLst>
 </p:presentation>
 </file>
 
@@ -192,7 +208,7 @@
           <a:lstStyle/>
           <a:p>
             <a:r>
-              <a:rPr lang="en-US" smtClean="0"/>
+              <a:rPr lang="en-US"/>
               <a:t>Click to edit Master title style</a:t>
             </a:r>
             <a:endParaRPr lang="en-IN"/>
@@ -311,7 +327,7 @@
           </a:lstStyle>
           <a:p>
             <a:r>
-              <a:rPr lang="en-US" smtClean="0"/>
+              <a:rPr lang="en-US"/>
               <a:t>Click to edit Master subtitle style</a:t>
             </a:r>
             <a:endParaRPr lang="en-IN"/>
@@ -335,7 +351,7 @@
           <a:p>
             <a:fld id="{1D33C058-E9AE-4CB3-A3AC-3D856141CFE8}" type="datetimeFigureOut">
               <a:rPr lang="en-IN" smtClean="0"/>
-              <a:t>19-02-2023</a:t>
+              <a:t>01-03-2023</a:t>
             </a:fld>
             <a:endParaRPr lang="en-IN"/>
           </a:p>
@@ -429,7 +445,7 @@
           <a:lstStyle/>
           <a:p>
             <a:r>
-              <a:rPr lang="en-US" smtClean="0"/>
+              <a:rPr lang="en-US"/>
               <a:t>Click to edit Master title style</a:t>
             </a:r>
             <a:endParaRPr lang="en-IN"/>
@@ -453,35 +469,35 @@
           <a:p>
             <a:pPr lvl="0"/>
             <a:r>
-              <a:rPr lang="en-US" smtClean="0"/>
+              <a:rPr lang="en-US"/>
               <a:t>Click to edit Master text styles</a:t>
             </a:r>
           </a:p>
           <a:p>
             <a:pPr lvl="1"/>
             <a:r>
-              <a:rPr lang="en-US" smtClean="0"/>
+              <a:rPr lang="en-US"/>
               <a:t>Second level</a:t>
             </a:r>
           </a:p>
           <a:p>
             <a:pPr lvl="2"/>
             <a:r>
-              <a:rPr lang="en-US" smtClean="0"/>
+              <a:rPr lang="en-US"/>
               <a:t>Third level</a:t>
             </a:r>
           </a:p>
           <a:p>
             <a:pPr lvl="3"/>
             <a:r>
-              <a:rPr lang="en-US" smtClean="0"/>
+              <a:rPr lang="en-US"/>
               <a:t>Fourth level</a:t>
             </a:r>
           </a:p>
           <a:p>
             <a:pPr lvl="4"/>
             <a:r>
-              <a:rPr lang="en-US" smtClean="0"/>
+              <a:rPr lang="en-US"/>
               <a:t>Fifth level</a:t>
             </a:r>
             <a:endParaRPr lang="en-IN"/>
@@ -505,7 +521,7 @@
           <a:p>
             <a:fld id="{1D33C058-E9AE-4CB3-A3AC-3D856141CFE8}" type="datetimeFigureOut">
               <a:rPr lang="en-IN" smtClean="0"/>
-              <a:t>19-02-2023</a:t>
+              <a:t>01-03-2023</a:t>
             </a:fld>
             <a:endParaRPr lang="en-IN"/>
           </a:p>
@@ -604,7 +620,7 @@
           <a:lstStyle/>
           <a:p>
             <a:r>
-              <a:rPr lang="en-US" smtClean="0"/>
+              <a:rPr lang="en-US"/>
               <a:t>Click to edit Master title style</a:t>
             </a:r>
             <a:endParaRPr lang="en-IN"/>
@@ -633,35 +649,35 @@
           <a:p>
             <a:pPr lvl="0"/>
             <a:r>
-              <a:rPr lang="en-US" smtClean="0"/>
+              <a:rPr lang="en-US"/>
               <a:t>Click to edit Master text styles</a:t>
             </a:r>
           </a:p>
           <a:p>
             <a:pPr lvl="1"/>
             <a:r>
-              <a:rPr lang="en-US" smtClean="0"/>
+              <a:rPr lang="en-US"/>
               <a:t>Second level</a:t>
             </a:r>
           </a:p>
           <a:p>
             <a:pPr lvl="2"/>
             <a:r>
-              <a:rPr lang="en-US" smtClean="0"/>
+              <a:rPr lang="en-US"/>
               <a:t>Third level</a:t>
             </a:r>
           </a:p>
           <a:p>
             <a:pPr lvl="3"/>
             <a:r>
-              <a:rPr lang="en-US" smtClean="0"/>
+              <a:rPr lang="en-US"/>
               <a:t>Fourth level</a:t>
             </a:r>
           </a:p>
           <a:p>
             <a:pPr lvl="4"/>
             <a:r>
-              <a:rPr lang="en-US" smtClean="0"/>
+              <a:rPr lang="en-US"/>
               <a:t>Fifth level</a:t>
             </a:r>
             <a:endParaRPr lang="en-IN"/>
@@ -685,7 +701,7 @@
           <a:p>
             <a:fld id="{1D33C058-E9AE-4CB3-A3AC-3D856141CFE8}" type="datetimeFigureOut">
               <a:rPr lang="en-IN" smtClean="0"/>
-              <a:t>19-02-2023</a:t>
+              <a:t>01-03-2023</a:t>
             </a:fld>
             <a:endParaRPr lang="en-IN"/>
           </a:p>
@@ -779,7 +795,7 @@
           <a:lstStyle/>
           <a:p>
             <a:r>
-              <a:rPr lang="en-US" smtClean="0"/>
+              <a:rPr lang="en-US"/>
               <a:t>Click to edit Master title style</a:t>
             </a:r>
             <a:endParaRPr lang="en-IN"/>
@@ -803,35 +819,35 @@
           <a:p>
             <a:pPr lvl="0"/>
             <a:r>
-              <a:rPr lang="en-US" smtClean="0"/>
+              <a:rPr lang="en-US"/>
               <a:t>Click to edit Master text styles</a:t>
             </a:r>
           </a:p>
           <a:p>
             <a:pPr lvl="1"/>
             <a:r>
-              <a:rPr lang="en-US" smtClean="0"/>
+              <a:rPr lang="en-US"/>
               <a:t>Second level</a:t>
             </a:r>
           </a:p>
           <a:p>
             <a:pPr lvl="2"/>
             <a:r>
-              <a:rPr lang="en-US" smtClean="0"/>
+              <a:rPr lang="en-US"/>
               <a:t>Third level</a:t>
             </a:r>
           </a:p>
           <a:p>
             <a:pPr lvl="3"/>
             <a:r>
-              <a:rPr lang="en-US" smtClean="0"/>
+              <a:rPr lang="en-US"/>
               <a:t>Fourth level</a:t>
             </a:r>
           </a:p>
           <a:p>
             <a:pPr lvl="4"/>
             <a:r>
-              <a:rPr lang="en-US" smtClean="0"/>
+              <a:rPr lang="en-US"/>
               <a:t>Fifth level</a:t>
             </a:r>
             <a:endParaRPr lang="en-IN"/>
@@ -855,7 +871,7 @@
           <a:p>
             <a:fld id="{1D33C058-E9AE-4CB3-A3AC-3D856141CFE8}" type="datetimeFigureOut">
               <a:rPr lang="en-IN" smtClean="0"/>
-              <a:t>19-02-2023</a:t>
+              <a:t>01-03-2023</a:t>
             </a:fld>
             <a:endParaRPr lang="en-IN"/>
           </a:p>
@@ -958,7 +974,7 @@
           </a:lstStyle>
           <a:p>
             <a:r>
-              <a:rPr lang="en-US" smtClean="0"/>
+              <a:rPr lang="en-US"/>
               <a:t>Click to edit Master title style</a:t>
             </a:r>
             <a:endParaRPr lang="en-IN"/>
@@ -1078,7 +1094,7 @@
           <a:p>
             <a:pPr lvl="0"/>
             <a:r>
-              <a:rPr lang="en-US" smtClean="0"/>
+              <a:rPr lang="en-US"/>
               <a:t>Click to edit Master text styles</a:t>
             </a:r>
           </a:p>
@@ -1101,7 +1117,7 @@
           <a:p>
             <a:fld id="{1D33C058-E9AE-4CB3-A3AC-3D856141CFE8}" type="datetimeFigureOut">
               <a:rPr lang="en-IN" smtClean="0"/>
-              <a:t>19-02-2023</a:t>
+              <a:t>01-03-2023</a:t>
             </a:fld>
             <a:endParaRPr lang="en-IN"/>
           </a:p>
@@ -1195,7 +1211,7 @@
           <a:lstStyle/>
           <a:p>
             <a:r>
-              <a:rPr lang="en-US" smtClean="0"/>
+              <a:rPr lang="en-US"/>
               <a:t>Click to edit Master title style</a:t>
             </a:r>
             <a:endParaRPr lang="en-IN"/>
@@ -1252,35 +1268,35 @@
           <a:p>
             <a:pPr lvl="0"/>
             <a:r>
-              <a:rPr lang="en-US" smtClean="0"/>
+              <a:rPr lang="en-US"/>
               <a:t>Click to edit Master text styles</a:t>
             </a:r>
           </a:p>
           <a:p>
             <a:pPr lvl="1"/>
             <a:r>
-              <a:rPr lang="en-US" smtClean="0"/>
+              <a:rPr lang="en-US"/>
               <a:t>Second level</a:t>
             </a:r>
           </a:p>
           <a:p>
             <a:pPr lvl="2"/>
             <a:r>
-              <a:rPr lang="en-US" smtClean="0"/>
+              <a:rPr lang="en-US"/>
               <a:t>Third level</a:t>
             </a:r>
           </a:p>
           <a:p>
             <a:pPr lvl="3"/>
             <a:r>
-              <a:rPr lang="en-US" smtClean="0"/>
+              <a:rPr lang="en-US"/>
               <a:t>Fourth level</a:t>
             </a:r>
           </a:p>
           <a:p>
             <a:pPr lvl="4"/>
             <a:r>
-              <a:rPr lang="en-US" smtClean="0"/>
+              <a:rPr lang="en-US"/>
               <a:t>Fifth level</a:t>
             </a:r>
             <a:endParaRPr lang="en-IN"/>
@@ -1337,35 +1353,35 @@
           <a:p>
             <a:pPr lvl="0"/>
             <a:r>
-              <a:rPr lang="en-US" smtClean="0"/>
+              <a:rPr lang="en-US"/>
               <a:t>Click to edit Master text styles</a:t>
             </a:r>
           </a:p>
           <a:p>
             <a:pPr lvl="1"/>
             <a:r>
-              <a:rPr lang="en-US" smtClean="0"/>
+              <a:rPr lang="en-US"/>
               <a:t>Second level</a:t>
             </a:r>
           </a:p>
           <a:p>
             <a:pPr lvl="2"/>
             <a:r>
-              <a:rPr lang="en-US" smtClean="0"/>
+              <a:rPr lang="en-US"/>
               <a:t>Third level</a:t>
             </a:r>
           </a:p>
           <a:p>
             <a:pPr lvl="3"/>
             <a:r>
-              <a:rPr lang="en-US" smtClean="0"/>
+              <a:rPr lang="en-US"/>
               <a:t>Fourth level</a:t>
             </a:r>
           </a:p>
           <a:p>
             <a:pPr lvl="4"/>
             <a:r>
-              <a:rPr lang="en-US" smtClean="0"/>
+              <a:rPr lang="en-US"/>
               <a:t>Fifth level</a:t>
             </a:r>
             <a:endParaRPr lang="en-IN"/>
@@ -1389,7 +1405,7 @@
           <a:p>
             <a:fld id="{1D33C058-E9AE-4CB3-A3AC-3D856141CFE8}" type="datetimeFigureOut">
               <a:rPr lang="en-IN" smtClean="0"/>
-              <a:t>19-02-2023</a:t>
+              <a:t>01-03-2023</a:t>
             </a:fld>
             <a:endParaRPr lang="en-IN"/>
           </a:p>
@@ -1487,7 +1503,7 @@
           </a:lstStyle>
           <a:p>
             <a:r>
-              <a:rPr lang="en-US" smtClean="0"/>
+              <a:rPr lang="en-US"/>
               <a:t>Click to edit Master title style</a:t>
             </a:r>
             <a:endParaRPr lang="en-IN"/>
@@ -1553,7 +1569,7 @@
           <a:p>
             <a:pPr lvl="0"/>
             <a:r>
-              <a:rPr lang="en-US" smtClean="0"/>
+              <a:rPr lang="en-US"/>
               <a:t>Click to edit Master text styles</a:t>
             </a:r>
           </a:p>
@@ -1609,35 +1625,35 @@
           <a:p>
             <a:pPr lvl="0"/>
             <a:r>
-              <a:rPr lang="en-US" smtClean="0"/>
+              <a:rPr lang="en-US"/>
               <a:t>Click to edit Master text styles</a:t>
             </a:r>
           </a:p>
           <a:p>
             <a:pPr lvl="1"/>
             <a:r>
-              <a:rPr lang="en-US" smtClean="0"/>
+              <a:rPr lang="en-US"/>
               <a:t>Second level</a:t>
             </a:r>
           </a:p>
           <a:p>
             <a:pPr lvl="2"/>
             <a:r>
-              <a:rPr lang="en-US" smtClean="0"/>
+              <a:rPr lang="en-US"/>
               <a:t>Third level</a:t>
             </a:r>
           </a:p>
           <a:p>
             <a:pPr lvl="3"/>
             <a:r>
-              <a:rPr lang="en-US" smtClean="0"/>
+              <a:rPr lang="en-US"/>
               <a:t>Fourth level</a:t>
             </a:r>
           </a:p>
           <a:p>
             <a:pPr lvl="4"/>
             <a:r>
-              <a:rPr lang="en-US" smtClean="0"/>
+              <a:rPr lang="en-US"/>
               <a:t>Fifth level</a:t>
             </a:r>
             <a:endParaRPr lang="en-IN"/>
@@ -1703,7 +1719,7 @@
           <a:p>
             <a:pPr lvl="0"/>
             <a:r>
-              <a:rPr lang="en-US" smtClean="0"/>
+              <a:rPr lang="en-US"/>
               <a:t>Click to edit Master text styles</a:t>
             </a:r>
           </a:p>
@@ -1759,35 +1775,35 @@
           <a:p>
             <a:pPr lvl="0"/>
             <a:r>
-              <a:rPr lang="en-US" smtClean="0"/>
+              <a:rPr lang="en-US"/>
               <a:t>Click to edit Master text styles</a:t>
             </a:r>
           </a:p>
           <a:p>
             <a:pPr lvl="1"/>
             <a:r>
-              <a:rPr lang="en-US" smtClean="0"/>
+              <a:rPr lang="en-US"/>
               <a:t>Second level</a:t>
             </a:r>
           </a:p>
           <a:p>
             <a:pPr lvl="2"/>
             <a:r>
-              <a:rPr lang="en-US" smtClean="0"/>
+              <a:rPr lang="en-US"/>
               <a:t>Third level</a:t>
             </a:r>
           </a:p>
           <a:p>
             <a:pPr lvl="3"/>
             <a:r>
-              <a:rPr lang="en-US" smtClean="0"/>
+              <a:rPr lang="en-US"/>
               <a:t>Fourth level</a:t>
             </a:r>
           </a:p>
           <a:p>
             <a:pPr lvl="4"/>
             <a:r>
-              <a:rPr lang="en-US" smtClean="0"/>
+              <a:rPr lang="en-US"/>
               <a:t>Fifth level</a:t>
             </a:r>
             <a:endParaRPr lang="en-IN"/>
@@ -1811,7 +1827,7 @@
           <a:p>
             <a:fld id="{1D33C058-E9AE-4CB3-A3AC-3D856141CFE8}" type="datetimeFigureOut">
               <a:rPr lang="en-IN" smtClean="0"/>
-              <a:t>19-02-2023</a:t>
+              <a:t>01-03-2023</a:t>
             </a:fld>
             <a:endParaRPr lang="en-IN"/>
           </a:p>
@@ -1905,7 +1921,7 @@
           <a:lstStyle/>
           <a:p>
             <a:r>
-              <a:rPr lang="en-US" smtClean="0"/>
+              <a:rPr lang="en-US"/>
               <a:t>Click to edit Master title style</a:t>
             </a:r>
             <a:endParaRPr lang="en-IN"/>
@@ -1929,7 +1945,7 @@
           <a:p>
             <a:fld id="{1D33C058-E9AE-4CB3-A3AC-3D856141CFE8}" type="datetimeFigureOut">
               <a:rPr lang="en-IN" smtClean="0"/>
-              <a:t>19-02-2023</a:t>
+              <a:t>01-03-2023</a:t>
             </a:fld>
             <a:endParaRPr lang="en-IN"/>
           </a:p>
@@ -2024,7 +2040,7 @@
           <a:p>
             <a:fld id="{1D33C058-E9AE-4CB3-A3AC-3D856141CFE8}" type="datetimeFigureOut">
               <a:rPr lang="en-IN" smtClean="0"/>
-              <a:t>19-02-2023</a:t>
+              <a:t>01-03-2023</a:t>
             </a:fld>
             <a:endParaRPr lang="en-IN"/>
           </a:p>
@@ -2127,7 +2143,7 @@
           </a:lstStyle>
           <a:p>
             <a:r>
-              <a:rPr lang="en-US" smtClean="0"/>
+              <a:rPr lang="en-US"/>
               <a:t>Click to edit Master title style</a:t>
             </a:r>
             <a:endParaRPr lang="en-IN"/>
@@ -2184,35 +2200,35 @@
           <a:p>
             <a:pPr lvl="0"/>
             <a:r>
-              <a:rPr lang="en-US" smtClean="0"/>
+              <a:rPr lang="en-US"/>
               <a:t>Click to edit Master text styles</a:t>
             </a:r>
           </a:p>
           <a:p>
             <a:pPr lvl="1"/>
             <a:r>
-              <a:rPr lang="en-US" smtClean="0"/>
+              <a:rPr lang="en-US"/>
               <a:t>Second level</a:t>
             </a:r>
           </a:p>
           <a:p>
             <a:pPr lvl="2"/>
             <a:r>
-              <a:rPr lang="en-US" smtClean="0"/>
+              <a:rPr lang="en-US"/>
               <a:t>Third level</a:t>
             </a:r>
           </a:p>
           <a:p>
             <a:pPr lvl="3"/>
             <a:r>
-              <a:rPr lang="en-US" smtClean="0"/>
+              <a:rPr lang="en-US"/>
               <a:t>Fourth level</a:t>
             </a:r>
           </a:p>
           <a:p>
             <a:pPr lvl="4"/>
             <a:r>
-              <a:rPr lang="en-US" smtClean="0"/>
+              <a:rPr lang="en-US"/>
               <a:t>Fifth level</a:t>
             </a:r>
             <a:endParaRPr lang="en-IN"/>
@@ -2278,7 +2294,7 @@
           <a:p>
             <a:pPr lvl="0"/>
             <a:r>
-              <a:rPr lang="en-US" smtClean="0"/>
+              <a:rPr lang="en-US"/>
               <a:t>Click to edit Master text styles</a:t>
             </a:r>
           </a:p>
@@ -2301,7 +2317,7 @@
           <a:p>
             <a:fld id="{1D33C058-E9AE-4CB3-A3AC-3D856141CFE8}" type="datetimeFigureOut">
               <a:rPr lang="en-IN" smtClean="0"/>
-              <a:t>19-02-2023</a:t>
+              <a:t>01-03-2023</a:t>
             </a:fld>
             <a:endParaRPr lang="en-IN"/>
           </a:p>
@@ -2404,7 +2420,7 @@
           </a:lstStyle>
           <a:p>
             <a:r>
-              <a:rPr lang="en-US" smtClean="0"/>
+              <a:rPr lang="en-US"/>
               <a:t>Click to edit Master title style</a:t>
             </a:r>
             <a:endParaRPr lang="en-IN"/>
@@ -2531,7 +2547,7 @@
           <a:p>
             <a:pPr lvl="0"/>
             <a:r>
-              <a:rPr lang="en-US" smtClean="0"/>
+              <a:rPr lang="en-US"/>
               <a:t>Click to edit Master text styles</a:t>
             </a:r>
           </a:p>
@@ -2554,7 +2570,7 @@
           <a:p>
             <a:fld id="{1D33C058-E9AE-4CB3-A3AC-3D856141CFE8}" type="datetimeFigureOut">
               <a:rPr lang="en-IN" smtClean="0"/>
-              <a:t>19-02-2023</a:t>
+              <a:t>01-03-2023</a:t>
             </a:fld>
             <a:endParaRPr lang="en-IN"/>
           </a:p>
@@ -2663,7 +2679,7 @@
           <a:lstStyle/>
           <a:p>
             <a:r>
-              <a:rPr lang="en-US" smtClean="0"/>
+              <a:rPr lang="en-US"/>
               <a:t>Click to edit Master title style</a:t>
             </a:r>
             <a:endParaRPr lang="en-IN"/>
@@ -2697,35 +2713,35 @@
           <a:p>
             <a:pPr lvl="0"/>
             <a:r>
-              <a:rPr lang="en-US" smtClean="0"/>
+              <a:rPr lang="en-US"/>
               <a:t>Click to edit Master text styles</a:t>
             </a:r>
           </a:p>
           <a:p>
             <a:pPr lvl="1"/>
             <a:r>
-              <a:rPr lang="en-US" smtClean="0"/>
+              <a:rPr lang="en-US"/>
               <a:t>Second level</a:t>
             </a:r>
           </a:p>
           <a:p>
             <a:pPr lvl="2"/>
             <a:r>
-              <a:rPr lang="en-US" smtClean="0"/>
+              <a:rPr lang="en-US"/>
               <a:t>Third level</a:t>
             </a:r>
           </a:p>
           <a:p>
             <a:pPr lvl="3"/>
             <a:r>
-              <a:rPr lang="en-US" smtClean="0"/>
+              <a:rPr lang="en-US"/>
               <a:t>Fourth level</a:t>
             </a:r>
           </a:p>
           <a:p>
             <a:pPr lvl="4"/>
             <a:r>
-              <a:rPr lang="en-US" smtClean="0"/>
+              <a:rPr lang="en-US"/>
               <a:t>Fifth level</a:t>
             </a:r>
             <a:endParaRPr lang="en-IN"/>
@@ -2767,7 +2783,7 @@
           <a:p>
             <a:fld id="{1D33C058-E9AE-4CB3-A3AC-3D856141CFE8}" type="datetimeFigureOut">
               <a:rPr lang="en-IN" smtClean="0"/>
-              <a:t>19-02-2023</a:t>
+              <a:t>01-03-2023</a:t>
             </a:fld>
             <a:endParaRPr lang="en-IN"/>
           </a:p>
@@ -3165,7 +3181,7 @@
           <a:lstStyle/>
           <a:p>
             <a:r>
-              <a:rPr lang="en-US" sz="3200" b="1" dirty="0" smtClean="0"/>
+              <a:rPr lang="en-US" sz="3200" b="1" dirty="0"/>
               <a:t>Unit 1</a:t>
             </a:r>
             <a:endParaRPr lang="en-IN" sz="3200" b="1" dirty="0"/>
@@ -3195,28 +3211,28 @@
           <a:lstStyle/>
           <a:p>
             <a:r>
-              <a:rPr lang="en-US" sz="3600" b="1" dirty="0" smtClean="0">
+              <a:rPr lang="en-US" sz="3600" b="1" dirty="0">
                 <a:solidFill>
                   <a:schemeClr val="tx1"/>
                 </a:solidFill>
               </a:rPr>
-              <a:t>Introduction to </a:t>
-            </a:r>
-            <a:r>
-              <a:rPr lang="en-US" sz="3600" b="1" dirty="0" err="1" smtClean="0">
+              <a:t>Introduction </a:t>
+            </a:r>
+            <a:r>
+              <a:rPr lang="en-US" sz="3600" b="1">
                 <a:solidFill>
                   <a:schemeClr val="tx1"/>
                 </a:solidFill>
               </a:rPr>
-              <a:t>Blokchain</a:t>
-            </a:r>
-            <a:r>
-              <a:rPr lang="en-US" sz="3600" b="1" dirty="0" smtClean="0">
+              <a:t>to Blockchain </a:t>
+            </a:r>
+            <a:r>
+              <a:rPr lang="en-US" sz="3600" b="1" dirty="0">
                 <a:solidFill>
                   <a:schemeClr val="tx1"/>
                 </a:solidFill>
               </a:rPr>
-              <a:t> Technologies and its architecture</a:t>
+              <a:t>Technologies and its architecture</a:t>
             </a:r>
             <a:endParaRPr lang="en-IN" sz="3600" b="1" dirty="0">
               <a:solidFill>
@@ -3236,13 +3252,6 @@
   <p:clrMapOvr>
     <a:masterClrMapping/>
   </p:clrMapOvr>
-  <p:timing>
-    <p:tnLst>
-      <p:par>
-        <p:cTn id="1" dur="indefinite" restart="never" nodeType="tmRoot"/>
-      </p:par>
-    </p:tnLst>
-  </p:timing>
 </p:sld>
 </file>
 
@@ -3298,25 +3307,17 @@
             </a:r>
             <a:r>
               <a:rPr lang="en-IN" sz="2400" b="1" dirty="0"/>
-              <a:t> Technology</a:t>
-            </a:r>
-            <a:r>
-              <a:rPr lang="en-IN" sz="2400" b="1" dirty="0" smtClean="0"/>
-              <a:t>:</a:t>
-            </a:r>
-            <a:endParaRPr lang="en-US" sz="2400" b="1" dirty="0" smtClean="0"/>
+              <a:t> Technology:</a:t>
+            </a:r>
+            <a:endParaRPr lang="en-US" sz="2400" b="1" dirty="0"/>
           </a:p>
           <a:p>
             <a:pPr marL="0" indent="0" algn="just" fontAlgn="base">
               <a:buNone/>
             </a:pPr>
             <a:r>
-              <a:rPr lang="en-US" sz="2400" b="1" dirty="0" smtClean="0"/>
-              <a:t>1. Open</a:t>
-            </a:r>
-            <a:r>
               <a:rPr lang="en-US" sz="2400" b="1" dirty="0"/>
-              <a:t>: </a:t>
+              <a:t>1. Open: </a:t>
             </a:r>
             <a:r>
               <a:rPr lang="en-US" sz="2400" dirty="0"/>
@@ -3344,12 +3345,8 @@
               <a:buNone/>
             </a:pPr>
             <a:r>
-              <a:rPr lang="en-US" sz="2400" b="1" dirty="0" smtClean="0"/>
-              <a:t>2. Verifiable</a:t>
-            </a:r>
-            <a:r>
               <a:rPr lang="en-US" sz="2400" b="1" dirty="0"/>
-              <a:t>: </a:t>
+              <a:t>2. Verifiable: </a:t>
             </a:r>
             <a:r>
               <a:rPr lang="en-US" sz="2400" dirty="0" err="1"/>
@@ -3365,12 +3362,8 @@
               <a:buNone/>
             </a:pPr>
             <a:r>
-              <a:rPr lang="en-US" sz="2400" b="1" dirty="0" smtClean="0"/>
-              <a:t>3. Permanent</a:t>
-            </a:r>
-            <a:r>
               <a:rPr lang="en-US" sz="2400" b="1" dirty="0"/>
-              <a:t>: </a:t>
+              <a:t>3. Permanent: </a:t>
             </a:r>
             <a:r>
               <a:rPr lang="en-US" sz="2400" dirty="0"/>
@@ -3403,13 +3396,6 @@
   <p:clrMapOvr>
     <a:masterClrMapping/>
   </p:clrMapOvr>
-  <p:timing>
-    <p:tnLst>
-      <p:par>
-        <p:cTn id="1" dur="indefinite" restart="never" nodeType="tmRoot"/>
-      </p:par>
-    </p:tnLst>
-  </p:timing>
 </p:sld>
 </file>
 
@@ -3456,19 +3442,19 @@
               <a:buNone/>
             </a:pPr>
             <a:r>
-              <a:rPr lang="en-US" sz="2400" b="1" dirty="0" smtClean="0"/>
+              <a:rPr lang="en-US" sz="2400" b="1" dirty="0"/>
               <a:t>4. Free from Censorship:</a:t>
             </a:r>
             <a:r>
-              <a:rPr lang="en-US" sz="2400" dirty="0" smtClean="0"/>
+              <a:rPr lang="en-US" sz="2400" dirty="0"/>
               <a:t> </a:t>
             </a:r>
             <a:r>
-              <a:rPr lang="en-US" sz="2400" dirty="0" err="1" smtClean="0"/>
+              <a:rPr lang="en-US" sz="2400" dirty="0" err="1"/>
               <a:t>Blockchain</a:t>
             </a:r>
             <a:r>
-              <a:rPr lang="en-US" sz="2400" dirty="0" smtClean="0"/>
+              <a:rPr lang="en-US" sz="2400" dirty="0"/>
               <a:t> technology is considered free from censorship as it does not have control of any single party rather it has the concept of trustworthy nodes for validation and consensus protocols that approve transactions by using smart contracts.</a:t>
             </a:r>
           </a:p>
@@ -3476,14 +3462,14 @@
             <a:pPr marL="0" indent="0" algn="just" fontAlgn="base">
               <a:buNone/>
             </a:pPr>
-            <a:endParaRPr lang="en-US" sz="2400" dirty="0" smtClean="0"/>
+            <a:endParaRPr lang="en-US" sz="2400" dirty="0"/>
           </a:p>
           <a:p>
             <a:pPr marL="0" indent="0" algn="just" fontAlgn="base">
               <a:buNone/>
             </a:pPr>
             <a:r>
-              <a:rPr lang="en-US" sz="2300" b="1" dirty="0" smtClean="0"/>
+              <a:rPr lang="en-US" sz="2300" b="1" dirty="0"/>
               <a:t>5. </a:t>
             </a:r>
             <a:r>
@@ -3500,11 +3486,7 @@
             </a:r>
             <a:r>
               <a:rPr lang="en-US" sz="2400" dirty="0"/>
-              <a:t> uses hashing techniques to store each transaction on a block that is connected to each other so it has tighter security. It uses SHA 256 hashing technique for storing transactions</a:t>
-            </a:r>
-            <a:r>
-              <a:rPr lang="en-US" sz="2400" dirty="0" smtClean="0"/>
-              <a:t>.</a:t>
+              <a:t> uses hashing techniques to store each transaction on a block that is connected to each other so it has tighter security. It uses SHA 256 hashing technique for storing transactions.</a:t>
             </a:r>
           </a:p>
           <a:p>
@@ -3518,12 +3500,8 @@
               <a:buNone/>
             </a:pPr>
             <a:r>
-              <a:rPr lang="en-US" sz="2400" b="1" dirty="0" smtClean="0"/>
-              <a:t>6. Immutability</a:t>
-            </a:r>
-            <a:r>
               <a:rPr lang="en-US" sz="2400" b="1" dirty="0"/>
-              <a:t>:</a:t>
+              <a:t>6. Immutability:</a:t>
             </a:r>
             <a:r>
               <a:rPr lang="en-US" sz="2400" dirty="0"/>
@@ -3556,13 +3534,6 @@
   <p:clrMapOvr>
     <a:masterClrMapping/>
   </p:clrMapOvr>
-  <p:timing>
-    <p:tnLst>
-      <p:par>
-        <p:cTn id="1" dur="indefinite" restart="never" nodeType="tmRoot"/>
-      </p:par>
-    </p:tnLst>
-  </p:timing>
 </p:sld>
 </file>
 
@@ -3609,11 +3580,11 @@
               <a:buNone/>
             </a:pPr>
             <a:r>
-              <a:rPr lang="en-US" sz="2400" b="1" dirty="0" smtClean="0"/>
+              <a:rPr lang="en-US" sz="2400" b="1" dirty="0"/>
               <a:t>7. Transparency</a:t>
             </a:r>
             <a:r>
-              <a:rPr lang="en-US" sz="2400" dirty="0" smtClean="0"/>
+              <a:rPr lang="en-US" sz="2400" dirty="0"/>
               <a:t>: It makes histories of transactions transparent everywhere all the nodes in the network have a copy of the transaction in the network. If any changes occur in the transaction it is visible to the other nodes.</a:t>
             </a:r>
           </a:p>
@@ -3621,19 +3592,15 @@
             <a:pPr marL="0" indent="0" algn="just" fontAlgn="base">
               <a:buNone/>
             </a:pPr>
-            <a:endParaRPr lang="en-US" sz="2400" b="1" dirty="0" smtClean="0"/>
+            <a:endParaRPr lang="en-US" sz="2400" b="1" dirty="0"/>
           </a:p>
           <a:p>
             <a:pPr marL="0" indent="0" algn="just" fontAlgn="base">
               <a:buNone/>
             </a:pPr>
             <a:r>
-              <a:rPr lang="en-US" sz="2400" b="1" dirty="0" smtClean="0"/>
-              <a:t>8. </a:t>
-            </a:r>
-            <a:r>
               <a:rPr lang="en-US" sz="2400" b="1" dirty="0"/>
-              <a:t>Efficiency</a:t>
+              <a:t>8. Efficiency</a:t>
             </a:r>
             <a:r>
               <a:rPr lang="en-US" sz="2400" dirty="0"/>
@@ -3645,11 +3612,7 @@
             </a:r>
             <a:r>
               <a:rPr lang="en-US" sz="2400" dirty="0"/>
-              <a:t> removes any third-party intervention between transactions and removes the mistake making the system efficient and faster. Settlement is made easier and smooth</a:t>
-            </a:r>
-            <a:r>
-              <a:rPr lang="en-US" sz="2400" dirty="0" smtClean="0"/>
-              <a:t>.</a:t>
+              <a:t> removes any third-party intervention between transactions and removes the mistake making the system efficient and faster. Settlement is made easier and smooth.</a:t>
             </a:r>
           </a:p>
           <a:p>
@@ -3663,12 +3626,8 @@
               <a:buNone/>
             </a:pPr>
             <a:r>
-              <a:rPr lang="en-US" sz="2400" b="1" dirty="0" smtClean="0"/>
-              <a:t>9. Cost </a:t>
-            </a:r>
-            <a:r>
               <a:rPr lang="en-US" sz="2400" b="1" dirty="0"/>
-              <a:t>Reduction</a:t>
+              <a:t>9. Cost Reduction</a:t>
             </a:r>
             <a:r>
               <a:rPr lang="en-US" sz="2400" dirty="0"/>
@@ -3701,13 +3660,6 @@
   <p:clrMapOvr>
     <a:masterClrMapping/>
   </p:clrMapOvr>
-  <p:timing>
-    <p:tnLst>
-      <p:par>
-        <p:cTn id="1" dur="indefinite" restart="never" nodeType="tmRoot"/>
-      </p:par>
-    </p:tnLst>
-  </p:timing>
 </p:sld>
 </file>
 
@@ -3835,12 +3787,8 @@
           <a:lstStyle/>
           <a:p>
             <a:r>
-              <a:rPr lang="en-IN" b="1" dirty="0" smtClean="0"/>
-              <a:t>Advantages </a:t>
-            </a:r>
-            <a:r>
               <a:rPr lang="en-IN" b="1" dirty="0"/>
-              <a:t>of </a:t>
+              <a:t>Advantages of </a:t>
             </a:r>
             <a:r>
               <a:rPr lang="en-IN" b="1" dirty="0" err="1"/>
@@ -3864,13 +3812,6 @@
   <p:clrMapOvr>
     <a:masterClrMapping/>
   </p:clrMapOvr>
-  <p:timing>
-    <p:tnLst>
-      <p:par>
-        <p:cTn id="1" dur="indefinite" restart="never" nodeType="tmRoot"/>
-      </p:par>
-    </p:tnLst>
-  </p:timing>
 </p:sld>
 </file>
 
@@ -3935,12 +3876,8 @@
               <a:buNone/>
             </a:pPr>
             <a:r>
-              <a:rPr lang="en-US" sz="2400" b="1" dirty="0" smtClean="0"/>
-              <a:t>1. Scalability</a:t>
-            </a:r>
-            <a:r>
               <a:rPr lang="en-US" sz="2400" b="1" dirty="0"/>
-              <a:t>:</a:t>
+              <a:t>1. Scalability:</a:t>
             </a:r>
             <a:r>
               <a:rPr lang="en-US" sz="2400" dirty="0"/>
@@ -3960,12 +3897,8 @@
               <a:buNone/>
             </a:pPr>
             <a:r>
-              <a:rPr lang="en-US" sz="2400" b="1" dirty="0" smtClean="0"/>
-              <a:t>2. Immaturity</a:t>
-            </a:r>
-            <a:r>
               <a:rPr lang="en-US" sz="2400" b="1" dirty="0"/>
-              <a:t>: </a:t>
+              <a:t>2. Immaturity: </a:t>
             </a:r>
             <a:r>
               <a:rPr lang="en-US" sz="2400" dirty="0" err="1"/>
@@ -3989,12 +3922,8 @@
               <a:buNone/>
             </a:pPr>
             <a:r>
-              <a:rPr lang="en-US" sz="2400" b="1" dirty="0" smtClean="0"/>
-              <a:t>3. Energy </a:t>
-            </a:r>
-            <a:r>
               <a:rPr lang="en-US" sz="2400" b="1" dirty="0"/>
-              <a:t>Consuming: </a:t>
+              <a:t>3. Energy Consuming: </a:t>
             </a:r>
             <a:r>
               <a:rPr lang="en-US" sz="2400" dirty="0"/>
@@ -4021,13 +3950,6 @@
   <p:clrMapOvr>
     <a:masterClrMapping/>
   </p:clrMapOvr>
-  <p:timing>
-    <p:tnLst>
-      <p:par>
-        <p:cTn id="1" dur="indefinite" restart="never" nodeType="tmRoot"/>
-      </p:par>
-    </p:tnLst>
-  </p:timing>
 </p:sld>
 </file>
 
@@ -4074,12 +3996,8 @@
               <a:buNone/>
             </a:pPr>
             <a:r>
-              <a:rPr lang="en-US" sz="2400" b="1" dirty="0" smtClean="0"/>
-              <a:t>4. Time-Consuming</a:t>
-            </a:r>
-            <a:r>
               <a:rPr lang="en-US" sz="2400" b="1" dirty="0"/>
-              <a:t>: </a:t>
+              <a:t>4. Time-Consuming: </a:t>
             </a:r>
             <a:r>
               <a:rPr lang="en-US" sz="2400" dirty="0"/>
@@ -4091,12 +4009,8 @@
               <a:buNone/>
             </a:pPr>
             <a:r>
-              <a:rPr lang="en-US" sz="2400" b="1" dirty="0" smtClean="0"/>
-              <a:t>5. Legal </a:t>
-            </a:r>
-            <a:r>
               <a:rPr lang="en-US" sz="2400" b="1" dirty="0"/>
-              <a:t>Formalities: </a:t>
+              <a:t>5. Legal Formalities: </a:t>
             </a:r>
             <a:r>
               <a:rPr lang="en-US" sz="2400" dirty="0"/>
@@ -4132,7 +4046,7 @@
               <a:buNone/>
             </a:pPr>
             <a:r>
-              <a:rPr lang="en-US" sz="2400" b="1" dirty="0" smtClean="0"/>
+              <a:rPr lang="en-US" sz="2400" b="1" dirty="0"/>
               <a:t>6. Storage</a:t>
             </a:r>
             <a:r>
@@ -4153,7 +4067,7 @@
               <a:buNone/>
             </a:pPr>
             <a:r>
-              <a:rPr lang="en-US" sz="2400" b="1" dirty="0" smtClean="0"/>
+              <a:rPr lang="en-US" sz="2400" b="1" dirty="0"/>
               <a:t>7. Regulations</a:t>
             </a:r>
             <a:r>
@@ -4195,13 +4109,6 @@
   <p:clrMapOvr>
     <a:masterClrMapping/>
   </p:clrMapOvr>
-  <p:timing>
-    <p:tnLst>
-      <p:par>
-        <p:cTn id="1" dur="indefinite" restart="never" nodeType="tmRoot"/>
-      </p:par>
-    </p:tnLst>
-  </p:timing>
 </p:sld>
 </file>
 
@@ -4248,12 +4155,8 @@
               <a:buNone/>
             </a:pPr>
             <a:r>
-              <a:rPr lang="en-US" b="1" dirty="0" smtClean="0"/>
-              <a:t>Types </a:t>
-            </a:r>
-            <a:r>
               <a:rPr lang="en-US" b="1" dirty="0"/>
-              <a:t>of Software Architecture</a:t>
+              <a:t>Types of Software Architecture</a:t>
             </a:r>
           </a:p>
           <a:p>
@@ -4262,66 +4165,38 @@
             </a:pPr>
             <a:r>
               <a:rPr lang="en-US" sz="2400" dirty="0"/>
-              <a:t>There are many ways to implement software systems. However, one of </a:t>
-            </a:r>
-            <a:r>
-              <a:rPr lang="en-US" sz="2400" dirty="0" smtClean="0"/>
-              <a:t>the fundamental </a:t>
-            </a:r>
-            <a:r>
-              <a:rPr lang="en-US" sz="2400" dirty="0"/>
-              <a:t>decisions when implementing a system concerns its </a:t>
-            </a:r>
-            <a:r>
-              <a:rPr lang="en-US" sz="2400" dirty="0" smtClean="0"/>
-              <a:t>architecture, the </a:t>
-            </a:r>
-            <a:r>
-              <a:rPr lang="en-US" sz="2400" dirty="0"/>
-              <a:t>way in which its components are organized and related to one another</a:t>
-            </a:r>
-            <a:r>
-              <a:rPr lang="en-US" sz="2400" dirty="0" smtClean="0"/>
-              <a:t>.</a:t>
+              <a:t>There are many ways to implement software systems. However, one of the fundamental decisions when implementing a system concerns its architecture, the way in which its components are organized and related to one another.</a:t>
             </a:r>
           </a:p>
           <a:p>
             <a:pPr marL="0" indent="0" algn="just" fontAlgn="base">
               <a:buNone/>
             </a:pPr>
-            <a:endParaRPr lang="en-US" sz="2400" dirty="0" smtClean="0"/>
+            <a:endParaRPr lang="en-US" sz="2400" dirty="0"/>
           </a:p>
           <a:p>
             <a:pPr marL="0" indent="0" algn="just" fontAlgn="base">
               <a:buNone/>
             </a:pPr>
             <a:r>
-              <a:rPr lang="en-US" sz="2400" dirty="0" smtClean="0"/>
-              <a:t>The </a:t>
-            </a:r>
-            <a:r>
-              <a:rPr lang="en-US" sz="2400" dirty="0"/>
-              <a:t>two major architectural approaches for software systems are </a:t>
-            </a:r>
-            <a:r>
-              <a:rPr lang="en-US" sz="2400" dirty="0" smtClean="0"/>
-              <a:t>centralized and </a:t>
-            </a:r>
-            <a:r>
-              <a:rPr lang="en-US" sz="2400" dirty="0"/>
-              <a:t>distributed</a:t>
-            </a:r>
-            <a:r>
-              <a:rPr lang="en-US" sz="2400" dirty="0" smtClean="0"/>
-              <a:t>.</a:t>
-            </a:r>
+              <a:rPr lang="en-US" sz="2400" dirty="0"/>
+              <a:t>The two major architectural approaches for software systems are centralized and distributed.</a:t>
+            </a:r>
+          </a:p>
+          <a:p>
+            <a:pPr marL="0" indent="0" algn="just" fontAlgn="base">
+              <a:buNone/>
+            </a:pPr>
             <a:endParaRPr lang="en-US" sz="2400" dirty="0"/>
           </a:p>
           <a:p>
             <a:pPr marL="0" indent="0" algn="just" fontAlgn="base">
               <a:buNone/>
             </a:pPr>
-            <a:endParaRPr lang="en-US" sz="2400" dirty="0"/>
+            <a:r>
+              <a:rPr lang="en-US" sz="2400" dirty="0"/>
+              <a:t>In centralized software systems, the components are located around and connected with one central component. In contrast, the components of distributed systems form a network of connected components without having any central</a:t>
+            </a:r>
           </a:p>
           <a:p>
             <a:pPr marL="0" indent="0" algn="just" fontAlgn="base">
@@ -4329,34 +4204,8 @@
             </a:pPr>
             <a:r>
               <a:rPr lang="en-US" sz="2400" dirty="0"/>
-              <a:t>In centralized software systems, the components are located around and </a:t>
-            </a:r>
-            <a:r>
-              <a:rPr lang="en-US" sz="2400" dirty="0" smtClean="0"/>
-              <a:t>connected </a:t>
-            </a:r>
-            <a:r>
-              <a:rPr lang="en-US" sz="2400" dirty="0"/>
-              <a:t>with one central component. In contrast, the components of </a:t>
-            </a:r>
-            <a:r>
-              <a:rPr lang="en-US" sz="2400" dirty="0" smtClean="0"/>
-              <a:t>distributed systems </a:t>
-            </a:r>
-            <a:r>
-              <a:rPr lang="en-US" sz="2400" dirty="0"/>
-              <a:t>form a network of connected components without having any central</a:t>
-            </a:r>
-          </a:p>
-          <a:p>
-            <a:pPr marL="0" indent="0" algn="just" fontAlgn="base">
-              <a:buNone/>
-            </a:pPr>
-            <a:r>
-              <a:rPr lang="en-US" sz="2400" dirty="0"/>
               <a:t>element of coordination or control.</a:t>
             </a:r>
-            <a:endParaRPr lang="en-US" sz="2400" dirty="0"/>
           </a:p>
         </p:txBody>
       </p:sp>
@@ -4370,13 +4219,6 @@
   <p:clrMapOvr>
     <a:masterClrMapping/>
   </p:clrMapOvr>
-  <p:timing>
-    <p:tnLst>
-      <p:par>
-        <p:cTn id="1" dur="indefinite" restart="never" nodeType="tmRoot"/>
-      </p:par>
-    </p:tnLst>
-  </p:timing>
 </p:sld>
 </file>
 
@@ -4424,41 +4266,8 @@
             </a:pPr>
             <a:r>
               <a:rPr lang="en-US" sz="2400" dirty="0"/>
-              <a:t>Figure 2-1 depicts these two contrary architectures. The circles in the </a:t>
-            </a:r>
-            <a:r>
-              <a:rPr lang="en-US" sz="2400" dirty="0" smtClean="0"/>
-              <a:t>figure represent </a:t>
-            </a:r>
-            <a:r>
-              <a:rPr lang="en-US" sz="2400" dirty="0"/>
-              <a:t>system components, also called nodes, and the lines represent </a:t>
-            </a:r>
-            <a:r>
-              <a:rPr lang="en-US" sz="2400" dirty="0" smtClean="0"/>
-              <a:t>connections </a:t>
-            </a:r>
-            <a:r>
-              <a:rPr lang="en-US" sz="2400" dirty="0"/>
-              <a:t>between them. At this point, it is not important to know the </a:t>
-            </a:r>
-            <a:r>
-              <a:rPr lang="en-US" sz="2400" dirty="0" smtClean="0"/>
-              <a:t>details of </a:t>
-            </a:r>
-            <a:r>
-              <a:rPr lang="en-US" sz="2400" dirty="0"/>
-              <a:t>what these components do and what information is exchanged </a:t>
-            </a:r>
-            <a:r>
-              <a:rPr lang="en-US" sz="2400" dirty="0" smtClean="0"/>
-              <a:t>between the </a:t>
-            </a:r>
-            <a:r>
-              <a:rPr lang="en-US" sz="2400" dirty="0"/>
-              <a:t>nodes. </a:t>
-            </a:r>
-            <a:endParaRPr lang="en-US" sz="2400" dirty="0" smtClean="0"/>
+              <a:t>Figure 2-1 depicts these two contrary architectures. The circles in the figure represent system components, also called nodes, and the lines represent connections between them. At this point, it is not important to know the details of what these components do and what information is exchanged between the nodes. </a:t>
+            </a:r>
           </a:p>
           <a:p>
             <a:pPr marL="0" indent="0" algn="just" fontAlgn="base">
@@ -4471,12 +4280,8 @@
               <a:buNone/>
             </a:pPr>
             <a:r>
-              <a:rPr lang="en-US" sz="2400" dirty="0" smtClean="0"/>
-              <a:t>The </a:t>
-            </a:r>
-            <a:r>
-              <a:rPr lang="en-US" sz="2400" dirty="0"/>
-              <a:t>important point is the existence of these two different ways</a:t>
+              <a:rPr lang="en-US" sz="2400" dirty="0"/>
+              <a:t>The important point is the existence of these two different ways</a:t>
             </a:r>
           </a:p>
           <a:p>
@@ -4484,30 +4289,9 @@
               <a:buNone/>
             </a:pPr>
             <a:r>
-              <a:rPr lang="en-US" sz="2400" dirty="0" smtClean="0"/>
-              <a:t>of </a:t>
-            </a:r>
-            <a:r>
-              <a:rPr lang="en-US" sz="2400" dirty="0"/>
-              <a:t>organizing software systems. On the left-hand side of Figure 2-1, a </a:t>
-            </a:r>
-            <a:r>
-              <a:rPr lang="en-US" sz="2400" dirty="0" smtClean="0"/>
-              <a:t>distributed </a:t>
-            </a:r>
-            <a:r>
-              <a:rPr lang="en-US" sz="2400" dirty="0"/>
-              <a:t>architecture is illustrated where components are connected with </a:t>
-            </a:r>
-            <a:r>
-              <a:rPr lang="en-US" sz="2400" dirty="0" smtClean="0"/>
-              <a:t>one another </a:t>
-            </a:r>
-            <a:r>
-              <a:rPr lang="en-US" sz="2400" dirty="0"/>
-              <a:t>without having a central element. </a:t>
-            </a:r>
-            <a:endParaRPr lang="en-US" sz="2400" dirty="0" smtClean="0"/>
+              <a:rPr lang="en-US" sz="2400" dirty="0"/>
+              <a:t>of organizing software systems. On the left-hand side of Figure 2-1, a distributed architecture is illustrated where components are connected with one another without having a central element. </a:t>
+            </a:r>
           </a:p>
           <a:p>
             <a:pPr marL="0" indent="0" algn="just" fontAlgn="base">
@@ -4520,28 +4304,8 @@
               <a:buNone/>
             </a:pPr>
             <a:r>
-              <a:rPr lang="en-US" sz="2400" dirty="0" smtClean="0"/>
-              <a:t>It </a:t>
-            </a:r>
-            <a:r>
-              <a:rPr lang="en-US" sz="2400" dirty="0"/>
-              <a:t>is important to see that none </a:t>
-            </a:r>
-            <a:r>
-              <a:rPr lang="en-US" sz="2400" dirty="0" smtClean="0"/>
-              <a:t>of the </a:t>
-            </a:r>
-            <a:r>
-              <a:rPr lang="en-US" sz="2400" dirty="0"/>
-              <a:t>components is directly connected with all other components. However, </a:t>
-            </a:r>
-            <a:r>
-              <a:rPr lang="en-US" sz="2400" dirty="0" smtClean="0"/>
-              <a:t>all components </a:t>
-            </a:r>
-            <a:r>
-              <a:rPr lang="en-US" sz="2400" dirty="0"/>
-              <a:t>are connected with one another at least indirectly. </a:t>
+              <a:rPr lang="en-US" sz="2400" dirty="0"/>
+              <a:t>It is important to see that none of the components is directly connected with all other components. However, all components are connected with one another at least indirectly. </a:t>
             </a:r>
             <a:endParaRPr lang="en-US" sz="1800" dirty="0"/>
           </a:p>
@@ -4557,13 +4321,6 @@
   <p:clrMapOvr>
     <a:masterClrMapping/>
   </p:clrMapOvr>
-  <p:timing>
-    <p:tnLst>
-      <p:par>
-        <p:cTn id="1" dur="indefinite" restart="never" nodeType="tmRoot"/>
-      </p:par>
-    </p:tnLst>
-  </p:timing>
 </p:sld>
 </file>
 
@@ -4611,42 +4368,14 @@
             </a:pPr>
             <a:r>
               <a:rPr lang="en-US" sz="2400" dirty="0"/>
-              <a:t>The </a:t>
-            </a:r>
-            <a:r>
-              <a:rPr lang="en-US" sz="2400" dirty="0" smtClean="0"/>
-              <a:t>right-hand side </a:t>
-            </a:r>
-            <a:r>
-              <a:rPr lang="en-US" sz="2400" dirty="0"/>
-              <a:t>of Figure 2-1 illustrates a centralized architecture where each </a:t>
-            </a:r>
-            <a:r>
-              <a:rPr lang="en-US" sz="2400" dirty="0" smtClean="0"/>
-              <a:t>component is </a:t>
-            </a:r>
-            <a:r>
-              <a:rPr lang="en-US" sz="2400" dirty="0"/>
-              <a:t>connected to one central component. The components are not </a:t>
-            </a:r>
-            <a:r>
-              <a:rPr lang="en-US" sz="2400" dirty="0" smtClean="0"/>
-              <a:t>connected with </a:t>
-            </a:r>
-            <a:r>
-              <a:rPr lang="en-US" sz="2400" dirty="0"/>
-              <a:t>one another directly. They only have one direct connection to the </a:t>
-            </a:r>
-            <a:r>
-              <a:rPr lang="en-US" sz="2400" dirty="0" smtClean="0"/>
-              <a:t>central component.</a:t>
+              <a:t>The right-hand side of Figure 2-1 illustrates a centralized architecture where each component is connected to one central component. The components are not connected with one another directly. They only have one direct connection to the central component.</a:t>
             </a:r>
           </a:p>
           <a:p>
             <a:pPr marL="0" indent="0" algn="just" fontAlgn="base">
               <a:buNone/>
             </a:pPr>
-            <a:endParaRPr lang="en-US" sz="2400" dirty="0" smtClean="0"/>
+            <a:endParaRPr lang="en-US" sz="2400" dirty="0"/>
           </a:p>
           <a:p>
             <a:pPr marL="0" indent="0" algn="just" fontAlgn="base">
@@ -4765,13 +4494,6 @@
   <p:clrMapOvr>
     <a:masterClrMapping/>
   </p:clrMapOvr>
-  <p:timing>
-    <p:tnLst>
-      <p:par>
-        <p:cTn id="1" dur="indefinite" restart="never" nodeType="tmRoot"/>
-      </p:par>
-    </p:tnLst>
-  </p:timing>
 </p:sld>
 </file>
 
@@ -4828,13 +4550,8 @@
             </a:pPr>
             <a:r>
               <a:rPr lang="en-US" sz="2400" dirty="0"/>
-              <a:t>The major advantages of a distributed system over single computers </a:t>
-            </a:r>
-            <a:r>
-              <a:rPr lang="en-US" sz="2400" dirty="0" smtClean="0"/>
-              <a:t>are:</a:t>
-            </a:r>
-            <a:endParaRPr lang="en-US" sz="2400" dirty="0"/>
+              <a:t>The major advantages of a distributed system over single computers are:</a:t>
+            </a:r>
           </a:p>
           <a:p>
             <a:pPr marL="0" indent="0">
@@ -4869,30 +4586,22 @@
             </a:pPr>
             <a:r>
               <a:rPr lang="en-IN" sz="2400" dirty="0"/>
-              <a:t>• Ability to grow </a:t>
-            </a:r>
-            <a:r>
-              <a:rPr lang="en-IN" sz="2400" dirty="0" smtClean="0"/>
-              <a:t>naturally</a:t>
+              <a:t>• Ability to grow naturally</a:t>
             </a:r>
           </a:p>
           <a:p>
             <a:pPr marL="0" indent="0">
               <a:buNone/>
             </a:pPr>
-            <a:endParaRPr lang="en-US" sz="1800" dirty="0" smtClean="0"/>
+            <a:endParaRPr lang="en-US" sz="1800" dirty="0"/>
           </a:p>
           <a:p>
             <a:pPr marL="0" indent="0">
               <a:buNone/>
             </a:pPr>
             <a:r>
-              <a:rPr lang="en-US" sz="2800" b="1" dirty="0" smtClean="0"/>
-              <a:t>The </a:t>
-            </a:r>
-            <a:r>
               <a:rPr lang="en-US" sz="2800" b="1" dirty="0"/>
-              <a:t>Disadvantages of Distributed Systems</a:t>
+              <a:t>The Disadvantages of Distributed Systems</a:t>
             </a:r>
           </a:p>
           <a:p>
@@ -4962,13 +4671,6 @@
   <p:clrMapOvr>
     <a:masterClrMapping/>
   </p:clrMapOvr>
-  <p:timing>
-    <p:tnLst>
-      <p:par>
-        <p:cTn id="1" dur="indefinite" restart="never" nodeType="tmRoot"/>
-      </p:par>
-    </p:tnLst>
-  </p:timing>
 </p:sld>
 </file>
 
@@ -5008,11 +4710,11 @@
           <a:p>
             <a:pPr algn="just"/>
             <a:r>
-              <a:rPr lang="en-US" sz="3200" b="1" dirty="0" smtClean="0"/>
+              <a:rPr lang="en-US" sz="3200" b="1" dirty="0"/>
               <a:t>Introduction to </a:t>
             </a:r>
             <a:r>
-              <a:rPr lang="en-US" sz="3200" b="1" dirty="0" err="1" smtClean="0"/>
+              <a:rPr lang="en-US" sz="3200" b="1" dirty="0" err="1"/>
               <a:t>Blockchain</a:t>
             </a:r>
             <a:endParaRPr lang="en-IN" sz="3200" b="1" dirty="0"/>
@@ -5059,7 +4761,6 @@
               <a:rPr lang="en-US" sz="2400" dirty="0"/>
               <a:t> stores information electronically in digital format. </a:t>
             </a:r>
-            <a:endParaRPr lang="en-US" sz="2400" dirty="0" smtClean="0"/>
           </a:p>
           <a:p>
             <a:pPr marL="0" indent="0" algn="just">
@@ -5072,16 +4773,12 @@
               <a:buNone/>
             </a:pPr>
             <a:r>
-              <a:rPr lang="en-US" sz="2400" dirty="0" err="1" smtClean="0"/>
+              <a:rPr lang="en-US" sz="2400" dirty="0" err="1"/>
               <a:t>Blockchains</a:t>
             </a:r>
             <a:r>
-              <a:rPr lang="en-US" sz="2400" dirty="0" smtClean="0"/>
-              <a:t> </a:t>
-            </a:r>
-            <a:r>
-              <a:rPr lang="en-US" sz="2400" dirty="0"/>
-              <a:t>are best known for their crucial role in </a:t>
+              <a:rPr lang="en-US" sz="2400" dirty="0"/>
+              <a:t> are best known for their crucial role in </a:t>
             </a:r>
             <a:r>
               <a:rPr lang="en-US" sz="2400" dirty="0" err="1"/>
@@ -5092,18 +4789,13 @@
               <a:t> systems, such as </a:t>
             </a:r>
             <a:r>
-              <a:rPr lang="en-US" sz="2400" dirty="0" err="1" smtClean="0"/>
+              <a:rPr lang="en-US" sz="2400" dirty="0" err="1"/>
               <a:t>Bitcoin</a:t>
             </a:r>
             <a:r>
-              <a:rPr lang="en-US" sz="2400" dirty="0" smtClean="0"/>
-              <a:t>, </a:t>
-            </a:r>
-            <a:r>
-              <a:rPr lang="en-US" sz="2400" dirty="0"/>
-              <a:t>for maintaining a secure and decentralized record of transactions. </a:t>
-            </a:r>
-            <a:endParaRPr lang="en-US" sz="2400" dirty="0" smtClean="0"/>
+              <a:rPr lang="en-US" sz="2400" dirty="0"/>
+              <a:t>, for maintaining a secure and decentralized record of transactions. </a:t>
+            </a:r>
           </a:p>
           <a:p>
             <a:pPr marL="0" indent="0" algn="just">
@@ -5116,12 +4808,8 @@
               <a:buNone/>
             </a:pPr>
             <a:r>
-              <a:rPr lang="en-US" sz="2400" dirty="0" smtClean="0"/>
-              <a:t>The </a:t>
-            </a:r>
-            <a:r>
-              <a:rPr lang="en-US" sz="2400" dirty="0"/>
-              <a:t>innovation with a </a:t>
+              <a:rPr lang="en-US" sz="2400" dirty="0"/>
+              <a:t>The innovation with a </a:t>
             </a:r>
             <a:r>
               <a:rPr lang="en-US" sz="2400" dirty="0" err="1"/>
@@ -5145,13 +4833,6 @@
   <p:clrMapOvr>
     <a:masterClrMapping/>
   </p:clrMapOvr>
-  <p:timing>
-    <p:tnLst>
-      <p:par>
-        <p:cTn id="1" dur="indefinite" restart="never" nodeType="tmRoot"/>
-      </p:par>
-    </p:tnLst>
-  </p:timing>
 </p:sld>
 </file>
 
@@ -5198,14 +4879,13 @@
               <a:buNone/>
             </a:pPr>
             <a:r>
-              <a:rPr lang="en-US" sz="2800" b="1" dirty="0" err="1" smtClean="0"/>
+              <a:rPr lang="en-US" sz="2800" b="1" dirty="0" err="1"/>
               <a:t>Blockchain</a:t>
             </a:r>
             <a:r>
-              <a:rPr lang="en-US" sz="2800" b="1" dirty="0" smtClean="0"/>
+              <a:rPr lang="en-US" sz="2800" b="1" dirty="0"/>
               <a:t> Architecture</a:t>
             </a:r>
-            <a:endParaRPr lang="en-US" sz="2800" b="1" dirty="0"/>
           </a:p>
           <a:p>
             <a:pPr marL="0" indent="0" algn="just" fontAlgn="base">
@@ -5217,13 +4897,8 @@
             </a:r>
             <a:r>
               <a:rPr lang="en-US" sz="2400" dirty="0"/>
-              <a:t> is a technology where multiple parties involved in communication can perform different transactions without third-party intervention. Verification and validation of these transactions are carried out by special kinds of nodes</a:t>
-            </a:r>
-            <a:r>
-              <a:rPr lang="en-US" sz="2400" dirty="0" smtClean="0"/>
-              <a:t>.</a:t>
-            </a:r>
-            <a:endParaRPr lang="en-US" sz="2400" dirty="0"/>
+              <a:t> is a technology where multiple parties involved in communication can perform different transactions without third-party intervention. Verification and validation of these transactions are carried out by special kinds of nodes.</a:t>
+            </a:r>
           </a:p>
         </p:txBody>
       </p:sp>
@@ -5321,7 +4996,6 @@
               <a:rPr lang="en-US" b="1" dirty="0"/>
               <a:t> Architecture</a:t>
             </a:r>
-            <a:endParaRPr lang="en-US" b="1" dirty="0"/>
           </a:p>
         </p:txBody>
       </p:sp>
@@ -5335,13 +5009,6 @@
   <p:clrMapOvr>
     <a:masterClrMapping/>
   </p:clrMapOvr>
-  <p:timing>
-    <p:tnLst>
-      <p:par>
-        <p:cTn id="1" dur="indefinite" restart="never" nodeType="tmRoot"/>
-      </p:par>
-    </p:tnLst>
-  </p:timing>
 </p:sld>
 </file>
 
@@ -5425,11 +5092,7 @@
             </a:r>
             <a:r>
               <a:rPr lang="en-US" sz="2400" dirty="0"/>
-              <a:t>. A block header is hashed periodically by miners by changing the nonce value as part of normal mining activity, also Three sets of block metadata are contained in the block header</a:t>
-            </a:r>
-            <a:r>
-              <a:rPr lang="en-US" sz="2400" dirty="0" smtClean="0"/>
-              <a:t>.</a:t>
+              <a:t>. A block header is hashed periodically by miners by changing the nonce value as part of normal mining activity, also Three sets of block metadata are contained in the block header.</a:t>
             </a:r>
           </a:p>
           <a:p>
@@ -5464,11 +5127,7 @@
             </a:r>
             <a:r>
               <a:rPr lang="en-US" sz="2400" dirty="0"/>
-              <a:t> block using the hash. In short, it is a reference to the hash of the previous (parent) block in the chain</a:t>
-            </a:r>
-            <a:r>
-              <a:rPr lang="en-US" sz="2400" dirty="0" smtClean="0"/>
-              <a:t>.</a:t>
+              <a:t> block using the hash. In short, it is a reference to the hash of the previous (parent) block in the chain.</a:t>
             </a:r>
           </a:p>
           <a:p>
@@ -5498,13 +5157,6 @@
   <p:clrMapOvr>
     <a:masterClrMapping/>
   </p:clrMapOvr>
-  <p:timing>
-    <p:tnLst>
-      <p:par>
-        <p:cTn id="1" dur="indefinite" restart="never" nodeType="tmRoot"/>
-      </p:par>
-    </p:tnLst>
-  </p:timing>
 </p:sld>
 </file>
 
@@ -5572,11 +5224,7 @@
             </a:r>
             <a:r>
               <a:rPr lang="en-US" sz="2400" dirty="0"/>
-              <a:t>A nonce number which uses only once. It is a central part of the proof of work in the block. It is compared to the live target if it is smaller or equal to the current target. People who mine, test, and eliminate many Nonce per second until they find that Valuable Nonce is valid</a:t>
-            </a:r>
-            <a:r>
-              <a:rPr lang="en-US" sz="2400" dirty="0" smtClean="0"/>
-              <a:t>.</a:t>
+              <a:t>A nonce number which uses only once. It is a central part of the proof of work in the block. It is compared to the live target if it is smaller or equal to the current target. People who mine, test, and eliminate many Nonce per second until they find that Valuable Nonce is valid.</a:t>
             </a:r>
           </a:p>
           <a:p>
@@ -5594,16 +5242,12 @@
               <a:t> It is a type of data structure frame of different blocks of data. A </a:t>
             </a:r>
             <a:r>
-              <a:rPr lang="en-US" sz="2400" dirty="0" err="1" smtClean="0"/>
+              <a:rPr lang="en-US" sz="2400" dirty="0" err="1"/>
               <a:t>merkel</a:t>
             </a:r>
             <a:r>
-              <a:rPr lang="en-US" sz="2400" dirty="0" smtClean="0"/>
-              <a:t> tree stores </a:t>
-            </a:r>
-            <a:r>
-              <a:rPr lang="en-US" sz="2400" dirty="0"/>
-              <a:t>all the transactions in a block by producing a digital fingerprint of the entire transaction. It allows the users to verify whether a transaction can be included in a block or not.</a:t>
+              <a:rPr lang="en-US" sz="2400" dirty="0"/>
+              <a:t> tree stores all the transactions in a block by producing a digital fingerprint of the entire transaction. It allows the users to verify whether a transaction can be included in a block or not.</a:t>
             </a:r>
           </a:p>
         </p:txBody>
@@ -5618,13 +5262,6 @@
   <p:clrMapOvr>
     <a:masterClrMapping/>
   </p:clrMapOvr>
-  <p:timing>
-    <p:tnLst>
-      <p:par>
-        <p:cTn id="1" dur="indefinite" restart="never" nodeType="tmRoot"/>
-      </p:par>
-    </p:tnLst>
-  </p:timing>
 </p:sld>
 </file>
 
@@ -5701,17 +5338,13 @@
           </a:p>
           <a:p>
             <a:pPr fontAlgn="base"/>
-            <a:endParaRPr lang="en-US" sz="2400" b="1" dirty="0" smtClean="0"/>
+            <a:endParaRPr lang="en-US" sz="2400" b="1" dirty="0"/>
           </a:p>
           <a:p>
             <a:pPr fontAlgn="base"/>
             <a:r>
-              <a:rPr lang="en-US" sz="2400" b="1" dirty="0" smtClean="0"/>
-              <a:t>1</a:t>
-            </a:r>
-            <a:r>
               <a:rPr lang="en-US" sz="2400" b="1" dirty="0"/>
-              <a:t>. Public </a:t>
+              <a:t>1. Public </a:t>
             </a:r>
             <a:r>
               <a:rPr lang="en-US" sz="2400" b="1" dirty="0" err="1"/>
@@ -5760,7 +5393,6 @@
               <a:rPr lang="en-US" sz="2400" dirty="0"/>
               <a:t> is discussed. </a:t>
             </a:r>
-            <a:endParaRPr lang="en-US" sz="2400" dirty="0" smtClean="0"/>
           </a:p>
           <a:p>
             <a:pPr algn="just" fontAlgn="base"/>
@@ -5769,12 +5401,8 @@
           <a:p>
             <a:pPr algn="just" fontAlgn="base"/>
             <a:r>
-              <a:rPr lang="en-US" sz="2400" dirty="0" smtClean="0"/>
-              <a:t>Data </a:t>
-            </a:r>
-            <a:r>
-              <a:rPr lang="en-US" sz="2400" dirty="0"/>
-              <a:t>on a public </a:t>
+              <a:rPr lang="en-US" sz="2400" dirty="0"/>
+              <a:t>Data on a public </a:t>
             </a:r>
             <a:r>
               <a:rPr lang="en-US" sz="2400" dirty="0" err="1"/>
@@ -5787,17 +5415,13 @@
             <a:br>
               <a:rPr lang="en-US" sz="2400" dirty="0"/>
             </a:br>
-            <a:endParaRPr lang="en-US" sz="2400" dirty="0" smtClean="0"/>
+            <a:endParaRPr lang="en-US" sz="2400" dirty="0"/>
           </a:p>
           <a:p>
             <a:pPr algn="just" fontAlgn="base"/>
             <a:r>
-              <a:rPr lang="en-US" sz="2400" dirty="0" smtClean="0"/>
-              <a:t>The </a:t>
-            </a:r>
-            <a:r>
-              <a:rPr lang="en-US" sz="2400" dirty="0"/>
-              <a:t>public </a:t>
+              <a:rPr lang="en-US" sz="2400" dirty="0"/>
+              <a:t>The public </a:t>
             </a:r>
             <a:r>
               <a:rPr lang="en-US" sz="2400" dirty="0" err="1"/>
@@ -5820,13 +5444,6 @@
   <p:clrMapOvr>
     <a:masterClrMapping/>
   </p:clrMapOvr>
-  <p:timing>
-    <p:tnLst>
-      <p:par>
-        <p:cTn id="1" dur="indefinite" restart="never" nodeType="tmRoot"/>
-      </p:par>
-    </p:tnLst>
-  </p:timing>
 </p:sld>
 </file>
 
@@ -5888,7 +5505,7 @@
           <a:lstStyle/>
           <a:p>
             <a:pPr algn="just" fontAlgn="base"/>
-            <a:endParaRPr lang="en-US" sz="2400" dirty="0" smtClean="0"/>
+            <a:endParaRPr lang="en-US" sz="2400" dirty="0"/>
           </a:p>
           <a:p>
             <a:pPr algn="just" fontAlgn="base"/>
@@ -5897,12 +5514,8 @@
           <a:p>
             <a:pPr algn="just" fontAlgn="base"/>
             <a:r>
-              <a:rPr lang="en-US" sz="2400" dirty="0" smtClean="0"/>
-              <a:t>There </a:t>
-            </a:r>
-            <a:r>
-              <a:rPr lang="en-US" sz="2400" dirty="0"/>
-              <a:t>is publicly running all operations. Due to no one handling it singly then there is no need to get permission to access the public </a:t>
+              <a:rPr lang="en-US" sz="2400" dirty="0"/>
+              <a:t>There is publicly running all operations. Due to no one handling it singly then there is no need to get permission to access the public </a:t>
             </a:r>
             <a:r>
               <a:rPr lang="en-US" sz="2400" dirty="0" err="1"/>
@@ -5912,7 +5525,6 @@
               <a:rPr lang="en-US" sz="2400" dirty="0"/>
               <a:t>. </a:t>
             </a:r>
-            <a:endParaRPr lang="en-US" sz="2400" dirty="0" smtClean="0"/>
           </a:p>
           <a:p>
             <a:pPr algn="just" fontAlgn="base"/>
@@ -5921,24 +5533,12 @@
           <a:p>
             <a:pPr algn="just" fontAlgn="base"/>
             <a:r>
-              <a:rPr lang="en-US" sz="2400" dirty="0" smtClean="0"/>
-              <a:t>Anyone </a:t>
-            </a:r>
-            <a:r>
-              <a:rPr lang="en-US" sz="2400" dirty="0"/>
-              <a:t>can set his/her own node or block in the </a:t>
-            </a:r>
-            <a:r>
-              <a:rPr lang="en-US" sz="2400" dirty="0" smtClean="0"/>
-              <a:t>network.</a:t>
+              <a:rPr lang="en-US" sz="2400" dirty="0"/>
+              <a:t>Anyone can set his/her own node or block in the network.</a:t>
             </a:r>
           </a:p>
           <a:p>
             <a:pPr algn="just" fontAlgn="base"/>
-            <a:r>
-              <a:rPr lang="en-US" sz="2400" dirty="0"/>
-              <a:t/>
-            </a:r>
             <a:br>
               <a:rPr lang="en-US" sz="2400" dirty="0"/>
             </a:br>
@@ -5946,7 +5546,6 @@
               <a:rPr lang="en-US" sz="2400" dirty="0"/>
               <a:t>After a node or a block settled in the chain of the blocks, all the blocks are connected like peer-to-peer connections. If someone tries to attack the block then it forms a copy of that data and it is accessible only by the original author of the block.</a:t>
             </a:r>
-            <a:endParaRPr lang="en-US" sz="2400" dirty="0"/>
           </a:p>
         </p:txBody>
       </p:sp>
@@ -5960,13 +5559,6 @@
   <p:clrMapOvr>
     <a:masterClrMapping/>
   </p:clrMapOvr>
-  <p:timing>
-    <p:tnLst>
-      <p:par>
-        <p:cTn id="1" dur="indefinite" restart="never" nodeType="tmRoot"/>
-      </p:par>
-    </p:tnLst>
-  </p:timing>
 </p:sld>
 </file>
 
@@ -6028,7 +5620,7 @@
           <a:lstStyle/>
           <a:p>
             <a:pPr algn="just" fontAlgn="base"/>
-            <a:endParaRPr lang="en-US" sz="2400" dirty="0" smtClean="0"/>
+            <a:endParaRPr lang="en-US" sz="2400" dirty="0"/>
           </a:p>
           <a:p>
             <a:pPr algn="just" fontAlgn="base"/>
@@ -6143,13 +5735,6 @@
   <p:clrMapOvr>
     <a:masterClrMapping/>
   </p:clrMapOvr>
-  <p:timing>
-    <p:tnLst>
-      <p:par>
-        <p:cTn id="1" dur="indefinite" restart="never" nodeType="tmRoot"/>
-      </p:par>
-    </p:tnLst>
-  </p:timing>
 </p:sld>
 </file>
 
@@ -6277,11 +5862,7 @@
             </a:pPr>
             <a:r>
               <a:rPr lang="en-US" sz="2400" dirty="0"/>
-              <a:t>It has Rapid transactions</a:t>
-            </a:r>
-            <a:r>
-              <a:rPr lang="en-US" sz="2400" dirty="0" smtClean="0"/>
-              <a:t>.</a:t>
+              <a:t>It has Rapid transactions.</a:t>
             </a:r>
           </a:p>
           <a:p>
@@ -6352,10 +5933,6 @@
               <a:buFont typeface="+mj-lt"/>
               <a:buAutoNum type="arabicPeriod"/>
             </a:pPr>
-            <a:r>
-              <a:rPr lang="en-US" sz="2400" dirty="0"/>
-              <a:t/>
-            </a:r>
             <a:br>
               <a:rPr lang="en-US" sz="2400" dirty="0"/>
             </a:br>
@@ -6373,13 +5950,6 @@
   <p:clrMapOvr>
     <a:masterClrMapping/>
   </p:clrMapOvr>
-  <p:timing>
-    <p:tnLst>
-      <p:par>
-        <p:cTn id="1" dur="indefinite" restart="never" nodeType="tmRoot"/>
-      </p:par>
-    </p:tnLst>
-  </p:timing>
 </p:sld>
 </file>
 
@@ -6442,12 +6012,8 @@
           <a:p>
             <a:pPr fontAlgn="base"/>
             <a:r>
-              <a:rPr lang="en-US" sz="2800" b="1" dirty="0" smtClean="0"/>
-              <a:t>2</a:t>
-            </a:r>
-            <a:r>
               <a:rPr lang="en-US" sz="2800" b="1" dirty="0"/>
-              <a:t>. Private </a:t>
+              <a:t>2. Private </a:t>
             </a:r>
             <a:r>
               <a:rPr lang="en-US" sz="2800" b="1" dirty="0" err="1"/>
@@ -6467,17 +6033,8 @@
             </a:r>
             <a:r>
               <a:rPr lang="en-US" sz="2300" dirty="0"/>
-              <a:t>. It works based on permissions and controls, which give </a:t>
-            </a:r>
-            <a:r>
-              <a:rPr lang="en-US" sz="2300" dirty="0" smtClean="0"/>
-              <a:t>limit participation </a:t>
-            </a:r>
-            <a:r>
-              <a:rPr lang="en-US" sz="2300" dirty="0"/>
-              <a:t>in the network. </a:t>
-            </a:r>
-            <a:endParaRPr lang="en-US" sz="2300" dirty="0" smtClean="0"/>
+              <a:t>. It works based on permissions and controls, which give limit participation in the network. </a:t>
+            </a:r>
           </a:p>
           <a:p>
             <a:pPr algn="just" fontAlgn="base"/>
@@ -6486,27 +6043,19 @@
           <a:p>
             <a:pPr algn="just" fontAlgn="base"/>
             <a:r>
-              <a:rPr lang="en-US" sz="2300" dirty="0" smtClean="0"/>
-              <a:t>Only </a:t>
-            </a:r>
-            <a:r>
               <a:rPr lang="en-US" sz="2300" dirty="0"/>
-              <a:t>the entities participating in a transaction will have knowledge about it and the other stakeholders not able to access it.</a:t>
+              <a:t>Only the entities participating in a transaction will have knowledge about it and the other stakeholders not able to access it.</a:t>
             </a:r>
             <a:br>
               <a:rPr lang="en-US" sz="2300" dirty="0"/>
             </a:br>
-            <a:endParaRPr lang="en-US" sz="2300" dirty="0" smtClean="0"/>
+            <a:endParaRPr lang="en-US" sz="2300" dirty="0"/>
           </a:p>
           <a:p>
             <a:pPr algn="just" fontAlgn="base"/>
             <a:r>
-              <a:rPr lang="en-US" sz="2300" dirty="0" smtClean="0"/>
-              <a:t>By </a:t>
-            </a:r>
-            <a:r>
               <a:rPr lang="en-US" sz="2300" dirty="0"/>
-              <a:t>it works on the basis of permissions due to this it is also called a permission-based </a:t>
+              <a:t>By it works on the basis of permissions due to this it is also called a permission-based </a:t>
             </a:r>
             <a:r>
               <a:rPr lang="en-US" sz="2300" dirty="0" err="1"/>
@@ -6532,7 +6081,6 @@
               <a:rPr lang="en-US" sz="2300" dirty="0"/>
               <a:t> it is managed by the entity that owns the network. </a:t>
             </a:r>
-            <a:endParaRPr lang="en-US" sz="2300" dirty="0" smtClean="0"/>
           </a:p>
           <a:p>
             <a:pPr algn="just" fontAlgn="base"/>
@@ -6541,12 +6089,8 @@
           <a:p>
             <a:pPr algn="just" fontAlgn="base"/>
             <a:r>
-              <a:rPr lang="en-US" sz="2300" dirty="0" smtClean="0"/>
-              <a:t>A </a:t>
-            </a:r>
-            <a:r>
               <a:rPr lang="en-US" sz="2300" dirty="0"/>
-              <a:t>trusted person is in charge of the running of the </a:t>
+              <a:t>A trusted person is in charge of the running of the </a:t>
             </a:r>
             <a:r>
               <a:rPr lang="en-US" sz="2300" dirty="0" err="1"/>
@@ -6562,11 +6106,7 @@
             </a:r>
             <a:r>
               <a:rPr lang="en-US" sz="2300" dirty="0"/>
-              <a:t> and also controls the access rights of the private chain </a:t>
-            </a:r>
-            <a:r>
-              <a:rPr lang="en-US" sz="2300" dirty="0" smtClean="0"/>
-              <a:t>network. </a:t>
+              <a:t> and also controls the access rights of the private chain network. </a:t>
             </a:r>
           </a:p>
           <a:p>
@@ -6576,12 +6116,8 @@
           <a:p>
             <a:pPr algn="just" fontAlgn="base"/>
             <a:r>
-              <a:rPr lang="en-US" sz="2300" dirty="0" smtClean="0"/>
-              <a:t>There </a:t>
-            </a:r>
-            <a:r>
               <a:rPr lang="en-US" sz="2300" dirty="0"/>
-              <a:t>may be a possibility of some restrictions while accessing the network of the private </a:t>
+              <a:t>There may be a possibility of some restrictions while accessing the network of the private </a:t>
             </a:r>
             <a:r>
               <a:rPr lang="en-US" sz="2300" dirty="0" err="1"/>
@@ -6604,13 +6140,6 @@
   <p:clrMapOvr>
     <a:masterClrMapping/>
   </p:clrMapOvr>
-  <p:timing>
-    <p:tnLst>
-      <p:par>
-        <p:cTn id="1" dur="indefinite" restart="never" nodeType="tmRoot"/>
-      </p:par>
-    </p:tnLst>
-  </p:timing>
 </p:sld>
 </file>
 
@@ -6738,11 +6267,11 @@
           <a:lstStyle/>
           <a:p>
             <a:r>
-              <a:rPr lang="en-US" dirty="0" smtClean="0"/>
+              <a:rPr lang="en-US" dirty="0"/>
               <a:t>Private </a:t>
             </a:r>
             <a:r>
-              <a:rPr lang="en-US" dirty="0" err="1" smtClean="0"/>
+              <a:rPr lang="en-US" dirty="0" err="1"/>
               <a:t>Blockchain</a:t>
             </a:r>
             <a:endParaRPr lang="en-IN" dirty="0"/>
@@ -6759,13 +6288,6 @@
   <p:clrMapOvr>
     <a:masterClrMapping/>
   </p:clrMapOvr>
-  <p:timing>
-    <p:tnLst>
-      <p:par>
-        <p:cTn id="1" dur="indefinite" restart="never" nodeType="tmRoot"/>
-      </p:par>
-    </p:tnLst>
-  </p:timing>
 </p:sld>
 </file>
 
@@ -6876,11 +6398,7 @@
             </a:r>
             <a:r>
               <a:rPr lang="en-US" sz="2400" dirty="0"/>
-              <a:t> is partially immutable</a:t>
-            </a:r>
-            <a:r>
-              <a:rPr lang="en-US" sz="2400" dirty="0" smtClean="0"/>
-              <a:t>.</a:t>
+              <a:t> is partially immutable.</a:t>
             </a:r>
           </a:p>
           <a:p>
@@ -6941,13 +6459,6 @@
   <p:clrMapOvr>
     <a:masterClrMapping/>
   </p:clrMapOvr>
-  <p:timing>
-    <p:tnLst>
-      <p:par>
-        <p:cTn id="1" dur="indefinite" restart="never" nodeType="tmRoot"/>
-      </p:par>
-    </p:tnLst>
-  </p:timing>
 </p:sld>
 </file>
 
@@ -7011,35 +6522,22 @@
             </a:r>
             <a:r>
               <a:rPr lang="en-US" sz="2300" dirty="0"/>
-              <a:t> collects information together in groups, known as </a:t>
-            </a:r>
-            <a:r>
-              <a:rPr lang="en-US" sz="2300" dirty="0" smtClean="0"/>
-              <a:t>blocks </a:t>
-            </a:r>
+              <a:t> collects information together in groups, known as blocks that hold sets of information. </a:t>
+            </a:r>
+          </a:p>
+          <a:p>
+            <a:pPr marL="0" indent="0" algn="just">
+              <a:buNone/>
+            </a:pPr>
+            <a:endParaRPr lang="en-US" sz="2300" dirty="0"/>
+          </a:p>
+          <a:p>
+            <a:pPr marL="0" indent="0" algn="just">
+              <a:buNone/>
+            </a:pPr>
             <a:r>
               <a:rPr lang="en-US" sz="2300" dirty="0"/>
-              <a:t>that hold sets of information. </a:t>
-            </a:r>
-            <a:endParaRPr lang="en-US" sz="2300" dirty="0" smtClean="0"/>
-          </a:p>
-          <a:p>
-            <a:pPr marL="0" indent="0" algn="just">
-              <a:buNone/>
-            </a:pPr>
-            <a:endParaRPr lang="en-US" sz="2300" dirty="0"/>
-          </a:p>
-          <a:p>
-            <a:pPr marL="0" indent="0" algn="just">
-              <a:buNone/>
-            </a:pPr>
-            <a:r>
-              <a:rPr lang="en-US" sz="2300" dirty="0" smtClean="0"/>
-              <a:t>Blocks </a:t>
-            </a:r>
-            <a:r>
-              <a:rPr lang="en-US" sz="2300" dirty="0"/>
-              <a:t>have certain storage capacities and, when filled, are closed and linked to the previously filled block, forming a chain of data known as the </a:t>
+              <a:t>Blocks have certain storage capacities and, when filled, are closed and linked to the previously filled block, forming a chain of data known as the </a:t>
             </a:r>
             <a:r>
               <a:rPr lang="en-US" sz="2300" dirty="0" err="1"/>
@@ -7047,11 +6545,7 @@
             </a:r>
             <a:r>
               <a:rPr lang="en-US" sz="2300" dirty="0"/>
-              <a:t>. All new information that follows that freshly added block is compiled into a newly formed block that will then also be added to the chain once filled</a:t>
-            </a:r>
-            <a:r>
-              <a:rPr lang="en-US" sz="2300" dirty="0" smtClean="0"/>
-              <a:t>.</a:t>
+              <a:t>. All new information that follows that freshly added block is compiled into a newly formed block that will then also be added to the chain once filled.</a:t>
             </a:r>
           </a:p>
           <a:p>
@@ -7076,7 +6570,6 @@
               <a:rPr lang="en-US" sz="2300" dirty="0"/>
               <a:t>, as its name implies, structures its data into chunks (blocks) that are strung together. This data structure inherently makes an irreversible timeline of data when implemented in a decentralized nature. </a:t>
             </a:r>
-            <a:endParaRPr lang="en-US" sz="2300" dirty="0" smtClean="0"/>
           </a:p>
           <a:p>
             <a:pPr marL="0" indent="0" algn="just">
@@ -7089,12 +6582,8 @@
               <a:buNone/>
             </a:pPr>
             <a:r>
-              <a:rPr lang="en-US" sz="2300" dirty="0" smtClean="0"/>
-              <a:t>When </a:t>
-            </a:r>
-            <a:r>
               <a:rPr lang="en-US" sz="2300" dirty="0"/>
-              <a:t>a block is filled, it is set in stone and becomes a part of this timeline. Each block in the chain is given an exact timestamp when it is added to the chain.</a:t>
+              <a:t>When a block is filled, it is set in stone and becomes a part of this timeline. Each block in the chain is given an exact timestamp when it is added to the chain.</a:t>
             </a:r>
             <a:endParaRPr lang="en-IN" sz="2300" dirty="0"/>
           </a:p>
@@ -7110,13 +6599,6 @@
   <p:clrMapOvr>
     <a:masterClrMapping/>
   </p:clrMapOvr>
-  <p:timing>
-    <p:tnLst>
-      <p:par>
-        <p:cTn id="1" dur="indefinite" restart="never" nodeType="tmRoot"/>
-      </p:par>
-    </p:tnLst>
-  </p:timing>
 </p:sld>
 </file>
 
@@ -7224,11 +6706,7 @@
             </a:r>
             <a:r>
               <a:rPr lang="en-US" sz="2400" dirty="0"/>
-              <a:t>, due to being more decentralized it increases the privacy and security of the blocks</a:t>
-            </a:r>
-            <a:r>
-              <a:rPr lang="en-US" sz="2400" dirty="0" smtClean="0"/>
-              <a:t>.</a:t>
+              <a:t>, due to being more decentralized it increases the privacy and security of the blocks.</a:t>
             </a:r>
           </a:p>
           <a:p>
@@ -7238,12 +6716,8 @@
           <a:p>
             <a:pPr algn="just" fontAlgn="base"/>
             <a:r>
-              <a:rPr lang="en-US" sz="2400" dirty="0" smtClean="0"/>
-              <a:t>Those </a:t>
-            </a:r>
-            <a:r>
-              <a:rPr lang="en-US" sz="2400" dirty="0"/>
-              <a:t>like private </a:t>
+              <a:rPr lang="en-US" sz="2400" dirty="0"/>
+              <a:t>Those like private </a:t>
             </a:r>
             <a:r>
               <a:rPr lang="en-US" sz="2400" dirty="0" err="1"/>
@@ -7251,19 +6725,11 @@
             </a:r>
             <a:r>
               <a:rPr lang="en-US" sz="2400" dirty="0"/>
-              <a:t> connected with government organizations’ blocks network</a:t>
-            </a:r>
-            <a:r>
-              <a:rPr lang="en-US" sz="2400" dirty="0" smtClean="0"/>
-              <a:t>.</a:t>
+              <a:t> connected with government organizations’ blocks network.</a:t>
             </a:r>
           </a:p>
           <a:p>
             <a:pPr algn="just" fontAlgn="base"/>
-            <a:r>
-              <a:rPr lang="en-US" sz="2400" dirty="0"/>
-              <a:t/>
-            </a:r>
             <a:br>
               <a:rPr lang="en-US" sz="2400" dirty="0"/>
             </a:br>
@@ -7295,7 +6761,6 @@
               <a:rPr lang="en-US" sz="2400" dirty="0"/>
               <a:t> all companies in between organizations collaborate equally. </a:t>
             </a:r>
-            <a:endParaRPr lang="en-US" sz="2400" dirty="0" smtClean="0"/>
           </a:p>
           <a:p>
             <a:pPr algn="just" fontAlgn="base"/>
@@ -7304,12 +6769,8 @@
           <a:p>
             <a:pPr algn="just" fontAlgn="base"/>
             <a:r>
-              <a:rPr lang="en-US" sz="2400" dirty="0" smtClean="0"/>
-              <a:t>They </a:t>
-            </a:r>
-            <a:r>
-              <a:rPr lang="en-US" sz="2400" dirty="0"/>
-              <a:t>do not give access from outside of the organizations/ consortium network.</a:t>
+              <a:rPr lang="en-US" sz="2400" dirty="0"/>
+              <a:t>They do not give access from outside of the organizations/ consortium network.</a:t>
             </a:r>
           </a:p>
         </p:txBody>
@@ -7324,13 +6785,6 @@
   <p:clrMapOvr>
     <a:masterClrMapping/>
   </p:clrMapOvr>
-  <p:timing>
-    <p:tnLst>
-      <p:par>
-        <p:cTn id="1" dur="indefinite" restart="never" nodeType="tmRoot"/>
-      </p:par>
-    </p:tnLst>
-  </p:timing>
 </p:sld>
 </file>
 
@@ -7392,7 +6846,7 @@
           <a:lstStyle/>
           <a:p>
             <a:pPr fontAlgn="base"/>
-            <a:endParaRPr lang="en-US" sz="2400" b="1" dirty="0" smtClean="0"/>
+            <a:endParaRPr lang="en-US" sz="2400" b="1" dirty="0"/>
           </a:p>
           <a:p>
             <a:pPr fontAlgn="base"/>
@@ -7401,12 +6855,8 @@
           <a:p>
             <a:pPr algn="just" fontAlgn="base"/>
             <a:r>
-              <a:rPr lang="en-US" sz="2400" b="1" dirty="0" smtClean="0"/>
-              <a:t>Advantages</a:t>
-            </a:r>
-            <a:r>
               <a:rPr lang="en-US" sz="2400" b="1" dirty="0"/>
-              <a:t>:</a:t>
+              <a:t>Advantages:</a:t>
             </a:r>
             <a:endParaRPr lang="en-US" sz="2400" dirty="0"/>
           </a:p>
@@ -7461,11 +6911,7 @@
             </a:r>
             <a:r>
               <a:rPr lang="en-US" sz="2400" dirty="0"/>
-              <a:t> is low transaction costs</a:t>
-            </a:r>
-            <a:r>
-              <a:rPr lang="en-US" sz="2400" dirty="0" smtClean="0"/>
-              <a:t>.</a:t>
+              <a:t> is low transaction costs.</a:t>
             </a:r>
           </a:p>
           <a:p>
@@ -7551,13 +6997,6 @@
   <p:clrMapOvr>
     <a:masterClrMapping/>
   </p:clrMapOvr>
-  <p:timing>
-    <p:tnLst>
-      <p:par>
-        <p:cTn id="1" dur="indefinite" restart="never" nodeType="tmRoot"/>
-      </p:par>
-    </p:tnLst>
-  </p:timing>
 </p:sld>
 </file>
 
@@ -7638,17 +7077,13 @@
           </a:p>
           <a:p>
             <a:pPr fontAlgn="base"/>
-            <a:endParaRPr lang="en-US" sz="2400" b="1" dirty="0" smtClean="0"/>
+            <a:endParaRPr lang="en-US" sz="2400" b="1" dirty="0"/>
           </a:p>
           <a:p>
             <a:pPr algn="just" fontAlgn="base"/>
             <a:r>
-              <a:rPr lang="en-US" sz="2400" b="1" dirty="0" smtClean="0"/>
-              <a:t>Node</a:t>
-            </a:r>
-            <a:r>
               <a:rPr lang="en-US" sz="2400" b="1" dirty="0"/>
-              <a:t>: </a:t>
+              <a:t>Node: </a:t>
             </a:r>
             <a:r>
               <a:rPr lang="en-US" sz="2400" dirty="0"/>
@@ -7721,13 +7156,6 @@
   <p:clrMapOvr>
     <a:masterClrMapping/>
   </p:clrMapOvr>
-  <p:timing>
-    <p:tnLst>
-      <p:par>
-        <p:cTn id="1" dur="indefinite" restart="never" nodeType="tmRoot"/>
-      </p:par>
-    </p:tnLst>
-  </p:timing>
 </p:sld>
 </file>
 
@@ -7789,7 +7217,7 @@
           <a:lstStyle/>
           <a:p>
             <a:pPr algn="just" fontAlgn="base"/>
-            <a:endParaRPr lang="en-US" sz="2400" b="1" dirty="0" smtClean="0"/>
+            <a:endParaRPr lang="en-US" sz="2400" b="1" dirty="0"/>
           </a:p>
           <a:p>
             <a:pPr algn="just" fontAlgn="base"/>
@@ -7896,13 +7324,6 @@
   <p:clrMapOvr>
     <a:masterClrMapping/>
   </p:clrMapOvr>
-  <p:timing>
-    <p:tnLst>
-      <p:par>
-        <p:cTn id="1" dur="indefinite" restart="never" nodeType="tmRoot"/>
-      </p:par>
-    </p:tnLst>
-  </p:timing>
 </p:sld>
 </file>
 
@@ -7947,9 +7368,27 @@
             <a:tbl>
               <a:tblPr/>
               <a:tblGrid>
-                <a:gridCol w="1100808"/>
-                <a:gridCol w="4042692"/>
-                <a:gridCol w="3086100"/>
+                <a:gridCol w="1100808">
+                  <a:extLst>
+                    <a:ext uri="{9D8B030D-6E8A-4147-A177-3AD203B41FA5}">
+                      <a16:colId xmlns:a16="http://schemas.microsoft.com/office/drawing/2014/main" val="20000"/>
+                    </a:ext>
+                  </a:extLst>
+                </a:gridCol>
+                <a:gridCol w="4042692">
+                  <a:extLst>
+                    <a:ext uri="{9D8B030D-6E8A-4147-A177-3AD203B41FA5}">
+                      <a16:colId xmlns:a16="http://schemas.microsoft.com/office/drawing/2014/main" val="20001"/>
+                    </a:ext>
+                  </a:extLst>
+                </a:gridCol>
+                <a:gridCol w="3086100">
+                  <a:extLst>
+                    <a:ext uri="{9D8B030D-6E8A-4147-A177-3AD203B41FA5}">
+                      <a16:colId xmlns:a16="http://schemas.microsoft.com/office/drawing/2014/main" val="20002"/>
+                    </a:ext>
+                  </a:extLst>
+                </a:gridCol>
               </a:tblGrid>
               <a:tr h="718899">
                 <a:tc>
@@ -8120,6 +7559,11 @@
                     </a:solidFill>
                   </a:tcPr>
                 </a:tc>
+                <a:extLst>
+                  <a:ext uri="{0D108BD9-81ED-4DB2-BD59-A6C34878D82A}">
+                    <a16:rowId xmlns:a16="http://schemas.microsoft.com/office/drawing/2014/main" val="10000"/>
+                  </a:ext>
+                </a:extLst>
               </a:tr>
               <a:tr h="972822">
                 <a:tc>
@@ -8308,6 +7752,11 @@
                     </a:solidFill>
                   </a:tcPr>
                 </a:tc>
+                <a:extLst>
+                  <a:ext uri="{0D108BD9-81ED-4DB2-BD59-A6C34878D82A}">
+                    <a16:rowId xmlns:a16="http://schemas.microsoft.com/office/drawing/2014/main" val="10001"/>
+                  </a:ext>
+                </a:extLst>
               </a:tr>
               <a:tr h="725494">
                 <a:tc>
@@ -8484,6 +7933,11 @@
                     </a:solidFill>
                   </a:tcPr>
                 </a:tc>
+                <a:extLst>
+                  <a:ext uri="{0D108BD9-81ED-4DB2-BD59-A6C34878D82A}">
+                    <a16:rowId xmlns:a16="http://schemas.microsoft.com/office/drawing/2014/main" val="10002"/>
+                  </a:ext>
+                </a:extLst>
               </a:tr>
               <a:tr h="478167">
                 <a:tc>
@@ -8654,6 +8108,11 @@
                     </a:solidFill>
                   </a:tcPr>
                 </a:tc>
+                <a:extLst>
+                  <a:ext uri="{0D108BD9-81ED-4DB2-BD59-A6C34878D82A}">
+                    <a16:rowId xmlns:a16="http://schemas.microsoft.com/office/drawing/2014/main" val="10003"/>
+                  </a:ext>
+                </a:extLst>
               </a:tr>
               <a:tr h="725494">
                 <a:tc>
@@ -8830,6 +8289,11 @@
                     </a:solidFill>
                   </a:tcPr>
                 </a:tc>
+                <a:extLst>
+                  <a:ext uri="{0D108BD9-81ED-4DB2-BD59-A6C34878D82A}">
+                    <a16:rowId xmlns:a16="http://schemas.microsoft.com/office/drawing/2014/main" val="10004"/>
+                  </a:ext>
+                </a:extLst>
               </a:tr>
               <a:tr h="725494">
                 <a:tc>
@@ -9000,6 +8464,11 @@
                     </a:solidFill>
                   </a:tcPr>
                 </a:tc>
+                <a:extLst>
+                  <a:ext uri="{0D108BD9-81ED-4DB2-BD59-A6C34878D82A}">
+                    <a16:rowId xmlns:a16="http://schemas.microsoft.com/office/drawing/2014/main" val="10005"/>
+                  </a:ext>
+                </a:extLst>
               </a:tr>
               <a:tr h="478167">
                 <a:tc>
@@ -9182,6 +8651,11 @@
                     </a:solidFill>
                   </a:tcPr>
                 </a:tc>
+                <a:extLst>
+                  <a:ext uri="{0D108BD9-81ED-4DB2-BD59-A6C34878D82A}">
+                    <a16:rowId xmlns:a16="http://schemas.microsoft.com/office/drawing/2014/main" val="10006"/>
+                  </a:ext>
+                </a:extLst>
               </a:tr>
             </a:tbl>
           </a:graphicData>
@@ -9223,11 +8697,7 @@
             </a:r>
             <a:r>
               <a:rPr lang="en-IN" sz="2400" b="1" dirty="0"/>
-              <a:t> </a:t>
-            </a:r>
-            <a:r>
-              <a:rPr lang="en-IN" sz="2400" b="1" dirty="0" smtClean="0"/>
-              <a:t>Database</a:t>
+              <a:t> Database</a:t>
             </a:r>
           </a:p>
           <a:p>
@@ -9237,21 +8707,21 @@
           <a:p>
             <a:pPr algn="just" fontAlgn="base"/>
             <a:r>
-              <a:rPr lang="en-US" dirty="0" smtClean="0"/>
+              <a:rPr lang="en-US" dirty="0"/>
               <a:t>Below are some of the differences between </a:t>
             </a:r>
             <a:r>
-              <a:rPr lang="en-US" dirty="0" err="1" smtClean="0"/>
+              <a:rPr lang="en-US" dirty="0" err="1"/>
               <a:t>blockchain</a:t>
             </a:r>
             <a:r>
-              <a:rPr lang="en-US" dirty="0" smtClean="0"/>
+              <a:rPr lang="en-US" dirty="0"/>
               <a:t> architecture and database:</a:t>
             </a:r>
           </a:p>
           <a:p>
             <a:pPr algn="just" fontAlgn="base"/>
-            <a:endParaRPr lang="en-US" sz="2400" b="1" dirty="0" smtClean="0"/>
+            <a:endParaRPr lang="en-US" sz="2400" b="1" dirty="0"/>
           </a:p>
           <a:p>
             <a:pPr algn="just" fontAlgn="base"/>
@@ -9276,13 +8746,6 @@
   <p:clrMapOvr>
     <a:masterClrMapping/>
   </p:clrMapOvr>
-  <p:timing>
-    <p:tnLst>
-      <p:par>
-        <p:cTn id="1" dur="indefinite" restart="never" nodeType="tmRoot"/>
-      </p:par>
-    </p:tnLst>
-  </p:timing>
 </p:sld>
 </file>
 
@@ -9329,16 +8792,8 @@
               <a:buNone/>
             </a:pPr>
             <a:r>
-              <a:rPr lang="en-US" sz="5900" b="1" dirty="0" smtClean="0"/>
-              <a:t>Applications </a:t>
-            </a:r>
-            <a:r>
               <a:rPr lang="en-US" sz="5900" b="1" dirty="0"/>
-              <a:t>o</a:t>
-            </a:r>
-            <a:r>
-              <a:rPr lang="en-US" sz="5900" b="1" dirty="0" smtClean="0"/>
-              <a:t>f </a:t>
+              <a:t>Applications of </a:t>
             </a:r>
             <a:r>
               <a:rPr lang="en-US" sz="5900" b="1" dirty="0" err="1"/>
@@ -9346,47 +8801,34 @@
             </a:r>
             <a:r>
               <a:rPr lang="en-US" sz="5900" b="1" dirty="0"/>
-              <a:t> are as follows</a:t>
-            </a:r>
-            <a:r>
-              <a:rPr lang="en-US" sz="5900" b="1" dirty="0" smtClean="0"/>
-              <a:t>:</a:t>
-            </a:r>
-            <a:endParaRPr lang="en-US" sz="5900" b="1" dirty="0"/>
+              <a:t> are as follows:</a:t>
+            </a:r>
           </a:p>
           <a:p>
             <a:pPr marL="0" indent="0" algn="just">
               <a:buNone/>
             </a:pPr>
-            <a:endParaRPr lang="en-US" sz="4600" b="1" dirty="0" smtClean="0"/>
+            <a:endParaRPr lang="en-US" sz="4600" b="1" dirty="0"/>
           </a:p>
           <a:p>
             <a:pPr marL="0" indent="0" algn="just">
               <a:buNone/>
             </a:pPr>
             <a:r>
-              <a:rPr lang="en-US" sz="4600" b="1" dirty="0" smtClean="0"/>
-              <a:t>1</a:t>
-            </a:r>
-            <a:r>
               <a:rPr lang="en-US" sz="4600" b="1" dirty="0"/>
-              <a:t>. </a:t>
-            </a:r>
-            <a:r>
-              <a:rPr lang="en-US" sz="4600" b="1" dirty="0" err="1" smtClean="0"/>
+              <a:t>1. </a:t>
+            </a:r>
+            <a:r>
+              <a:rPr lang="en-US" sz="4600" b="1" dirty="0" err="1"/>
               <a:t>Bitcoin</a:t>
             </a:r>
             <a:r>
-              <a:rPr lang="en-US" sz="4600" b="1" dirty="0" smtClean="0"/>
+              <a:rPr lang="en-US" sz="4600" b="1" dirty="0"/>
               <a:t>: </a:t>
             </a:r>
             <a:r>
-              <a:rPr lang="en-US" sz="4600" dirty="0" smtClean="0"/>
-              <a:t>The </a:t>
-            </a:r>
-            <a:r>
               <a:rPr lang="en-US" sz="4600" dirty="0"/>
-              <a:t>primary application of </a:t>
+              <a:t>The primary application of </a:t>
             </a:r>
             <a:r>
               <a:rPr lang="en-US" sz="4600" dirty="0" err="1"/>
@@ -9445,31 +8887,19 @@
               <a:rPr lang="en-US" sz="4600" dirty="0"/>
               <a:t> </a:t>
             </a:r>
-            <a:endParaRPr lang="en-US" sz="4600" b="1" dirty="0" smtClean="0"/>
+            <a:endParaRPr lang="en-US" sz="4600" b="1" dirty="0"/>
           </a:p>
           <a:p>
             <a:pPr marL="0" indent="0" algn="just">
               <a:buNone/>
             </a:pPr>
             <a:r>
-              <a:rPr lang="en-US" sz="4600" b="1" dirty="0" smtClean="0"/>
-              <a:t>2</a:t>
-            </a:r>
-            <a:r>
               <a:rPr lang="en-US" sz="4600" b="1" dirty="0"/>
-              <a:t>. </a:t>
-            </a:r>
-            <a:r>
-              <a:rPr lang="en-US" sz="4600" b="1" dirty="0" smtClean="0"/>
-              <a:t>Banking: </a:t>
-            </a:r>
-            <a:r>
-              <a:rPr lang="en-US" sz="4600" dirty="0" smtClean="0"/>
-              <a:t>Nowadays</a:t>
+              <a:t>2. Banking: </a:t>
             </a:r>
             <a:r>
               <a:rPr lang="en-US" sz="4600" dirty="0"/>
-              <a:t>, </a:t>
+              <a:t>Nowadays, </a:t>
             </a:r>
             <a:r>
               <a:rPr lang="en-US" sz="4600" dirty="0" err="1"/>
@@ -9524,31 +8954,19 @@
             <a:pPr marL="0" indent="0" algn="just">
               <a:buNone/>
             </a:pPr>
-            <a:endParaRPr lang="en-US" sz="4600" b="1" dirty="0" smtClean="0"/>
+            <a:endParaRPr lang="en-US" sz="4600" b="1" dirty="0"/>
           </a:p>
           <a:p>
             <a:pPr marL="0" indent="0" algn="just">
               <a:buNone/>
             </a:pPr>
             <a:r>
-              <a:rPr lang="en-US" sz="4600" b="1" dirty="0" smtClean="0"/>
-              <a:t>3</a:t>
-            </a:r>
-            <a:r>
               <a:rPr lang="en-US" sz="4600" b="1" dirty="0"/>
-              <a:t>. Payment and </a:t>
-            </a:r>
-            <a:r>
-              <a:rPr lang="en-US" sz="4600" b="1" dirty="0" smtClean="0"/>
-              <a:t>Transfers: </a:t>
-            </a:r>
-            <a:r>
-              <a:rPr lang="en-US" sz="4600" dirty="0" smtClean="0"/>
-              <a:t>Because </a:t>
+              <a:t>3. Payment and Transfers: </a:t>
             </a:r>
             <a:r>
               <a:rPr lang="en-US" sz="4600" dirty="0"/>
-              <a:t>of </a:t>
+              <a:t>Because of </a:t>
             </a:r>
             <a:r>
               <a:rPr lang="en-US" sz="4600" dirty="0" err="1"/>
@@ -9572,13 +8990,8 @@
             </a:r>
             <a:r>
               <a:rPr lang="en-US" sz="4600" dirty="0"/>
-              <a:t> transfer, no bank account is needed</a:t>
-            </a:r>
-            <a:r>
-              <a:rPr lang="en-US" sz="4600" dirty="0" smtClean="0"/>
-              <a:t>.</a:t>
-            </a:r>
-            <a:endParaRPr lang="en-US" sz="4600" dirty="0"/>
+              <a:t> transfer, no bank account is needed.</a:t>
+            </a:r>
           </a:p>
         </p:txBody>
       </p:sp>
@@ -9639,19 +9052,11 @@
             </a:pPr>
             <a:r>
               <a:rPr lang="en-US" sz="2200" b="1" dirty="0"/>
-              <a:t>4. </a:t>
-            </a:r>
-            <a:r>
-              <a:rPr lang="en-US" sz="2200" b="1" dirty="0" smtClean="0"/>
-              <a:t>Healthcare: </a:t>
-            </a:r>
-            <a:r>
-              <a:rPr lang="en-US" sz="2200" dirty="0" smtClean="0"/>
-              <a:t>Healthcare </a:t>
+              <a:t>4. Healthcare: </a:t>
             </a:r>
             <a:r>
               <a:rPr lang="en-US" sz="2200" dirty="0"/>
-              <a:t>is also a domain where </a:t>
+              <a:t>Healthcare is also a domain where </a:t>
             </a:r>
             <a:r>
               <a:rPr lang="en-US" sz="2200" b="1" dirty="0" err="1">
@@ -9682,31 +9087,19 @@
             <a:pPr marL="0" indent="0" algn="just">
               <a:buNone/>
             </a:pPr>
-            <a:endParaRPr lang="en-US" sz="2200" b="1" dirty="0" smtClean="0"/>
+            <a:endParaRPr lang="en-US" sz="2200" b="1" dirty="0"/>
           </a:p>
           <a:p>
             <a:pPr marL="0" indent="0" algn="just">
               <a:buNone/>
             </a:pPr>
             <a:r>
-              <a:rPr lang="en-US" sz="2200" b="1" dirty="0" smtClean="0"/>
-              <a:t>5</a:t>
-            </a:r>
-            <a:r>
               <a:rPr lang="en-US" sz="2200" b="1" dirty="0"/>
-              <a:t>. Law </a:t>
-            </a:r>
-            <a:r>
-              <a:rPr lang="en-US" sz="2200" b="1" dirty="0" smtClean="0"/>
-              <a:t>Enforcement: </a:t>
-            </a:r>
-            <a:r>
-              <a:rPr lang="en-US" sz="2200" dirty="0" smtClean="0"/>
-              <a:t>The </a:t>
+              <a:t>5. Law Enforcement: </a:t>
             </a:r>
             <a:r>
               <a:rPr lang="en-US" sz="2200" dirty="0"/>
-              <a:t>law enforcement agency is also now applying applications of </a:t>
+              <a:t>The law enforcement agency is also now applying applications of </a:t>
             </a:r>
             <a:r>
               <a:rPr lang="en-US" sz="2200" dirty="0" err="1"/>
@@ -9714,11 +9107,7 @@
             </a:r>
             <a:r>
               <a:rPr lang="en-US" sz="2200" dirty="0"/>
-              <a:t> technology. So that they can create a Common Database of the criminal and the crimes committed by them with all the biometric details. Since it’s highly secure, nobody can change it without proper access</a:t>
-            </a:r>
-            <a:r>
-              <a:rPr lang="en-US" sz="2200" dirty="0" smtClean="0"/>
-              <a:t>.</a:t>
+              <a:t> technology. So that they can create a Common Database of the criminal and the crimes committed by them with all the biometric details. Since it’s highly secure, nobody can change it without proper access.</a:t>
             </a:r>
           </a:p>
           <a:p>
@@ -9732,20 +9121,16 @@
               <a:buNone/>
             </a:pPr>
             <a:r>
-              <a:rPr lang="en-US" sz="2200" b="1" dirty="0" smtClean="0"/>
+              <a:rPr lang="en-US" sz="2200" b="1" dirty="0"/>
               <a:t>6. Voting: </a:t>
             </a:r>
             <a:r>
-              <a:rPr lang="en-US" sz="2200" dirty="0" err="1" smtClean="0"/>
+              <a:rPr lang="en-US" sz="2200" dirty="0" err="1"/>
               <a:t>Blockchain</a:t>
             </a:r>
             <a:r>
-              <a:rPr lang="en-US" sz="2200" dirty="0" smtClean="0"/>
-              <a:t> </a:t>
-            </a:r>
-            <a:r>
               <a:rPr lang="en-US" sz="2200" dirty="0"/>
-              <a:t>can be used in the next election or Voting because of its unchanging revolutionary nature. Voting will become more secure and fail-proof with the help of </a:t>
+              <a:t> can be used in the next election or Voting because of its unchanging revolutionary nature. Voting will become more secure and fail-proof with the help of </a:t>
             </a:r>
             <a:r>
               <a:rPr lang="en-US" sz="2200" dirty="0" err="1"/>
@@ -9829,12 +9214,8 @@
               <a:buNone/>
             </a:pPr>
             <a:r>
-              <a:rPr lang="en-US" sz="2400" b="1" dirty="0" smtClean="0"/>
-              <a:t>7</a:t>
-            </a:r>
-            <a:r>
               <a:rPr lang="en-US" sz="2400" b="1" dirty="0"/>
-              <a:t>. </a:t>
+              <a:t>7. </a:t>
             </a:r>
             <a:r>
               <a:rPr lang="en-US" sz="2400" b="1" dirty="0" err="1"/>
@@ -9842,23 +9223,15 @@
             </a:r>
             <a:r>
               <a:rPr lang="en-US" sz="2400" b="1" dirty="0"/>
-              <a:t>(Internet of </a:t>
-            </a:r>
-            <a:r>
-              <a:rPr lang="en-US" sz="2400" b="1" dirty="0" smtClean="0"/>
-              <a:t>Things): </a:t>
-            </a:r>
-            <a:r>
-              <a:rPr lang="en-US" sz="2400" dirty="0" err="1" smtClean="0"/>
+              <a:t>(Internet of Things): </a:t>
+            </a:r>
+            <a:r>
+              <a:rPr lang="en-US" sz="2400" dirty="0" err="1"/>
               <a:t>Blockchain</a:t>
             </a:r>
             <a:r>
-              <a:rPr lang="en-US" sz="2400" dirty="0" smtClean="0"/>
-              <a:t> </a:t>
-            </a:r>
-            <a:r>
-              <a:rPr lang="en-US" sz="2400" dirty="0"/>
-              <a:t>is also now used by </a:t>
+              <a:rPr lang="en-US" sz="2400" dirty="0"/>
+              <a:t> is also now used by </a:t>
             </a:r>
             <a:r>
               <a:rPr lang="en-US" sz="2400" dirty="0" err="1"/>
@@ -9866,11 +9239,7 @@
             </a:r>
             <a:r>
               <a:rPr lang="en-US" sz="2400" dirty="0"/>
-              <a:t>. This ensures that data that will transfer over or between the devices will be secure and encrypted without any interference</a:t>
-            </a:r>
-            <a:r>
-              <a:rPr lang="en-US" sz="2400" dirty="0" smtClean="0"/>
-              <a:t>.</a:t>
+              <a:t>. This ensures that data that will transfer over or between the devices will be secure and encrypted without any interference.</a:t>
             </a:r>
           </a:p>
           <a:p>
@@ -9885,19 +9254,11 @@
             </a:pPr>
             <a:r>
               <a:rPr lang="en-US" sz="2400" b="1" dirty="0"/>
-              <a:t>8. Online </a:t>
-            </a:r>
-            <a:r>
-              <a:rPr lang="en-US" sz="2400" b="1" dirty="0" smtClean="0"/>
-              <a:t>music: </a:t>
-            </a:r>
-            <a:r>
-              <a:rPr lang="en-US" sz="2400" dirty="0" smtClean="0"/>
-              <a:t>Online </a:t>
-            </a:r>
-            <a:r>
-              <a:rPr lang="en-US" sz="2400" dirty="0"/>
-              <a:t>music is one field that is increasing with the help of </a:t>
+              <a:t>8. Online music: </a:t>
+            </a:r>
+            <a:r>
+              <a:rPr lang="en-US" sz="2400" dirty="0"/>
+              <a:t>Online music is one field that is increasing with the help of </a:t>
             </a:r>
             <a:r>
               <a:rPr lang="en-US" sz="2400" dirty="0" err="1"/>
@@ -9921,11 +9282,7 @@
             </a:r>
             <a:r>
               <a:rPr lang="en-US" sz="2400" dirty="0"/>
-              <a:t> itself</a:t>
-            </a:r>
-            <a:r>
-              <a:rPr lang="en-US" sz="2400" dirty="0" smtClean="0"/>
-              <a:t>.</a:t>
+              <a:t> itself.</a:t>
             </a:r>
           </a:p>
           <a:p>
@@ -9940,19 +9297,11 @@
             </a:pPr>
             <a:r>
               <a:rPr lang="en-US" sz="2400" b="1" dirty="0"/>
-              <a:t>9. Real </a:t>
-            </a:r>
-            <a:r>
-              <a:rPr lang="en-US" sz="2400" b="1" dirty="0" smtClean="0"/>
-              <a:t>estate: </a:t>
-            </a:r>
-            <a:r>
-              <a:rPr lang="en-US" sz="2400" dirty="0" smtClean="0"/>
-              <a:t>Real </a:t>
-            </a:r>
-            <a:r>
-              <a:rPr lang="en-US" sz="2400" dirty="0"/>
-              <a:t>estate is also a domain that is affected by the applications of </a:t>
+              <a:t>9. Real estate: </a:t>
+            </a:r>
+            <a:r>
+              <a:rPr lang="en-US" sz="2400" dirty="0"/>
+              <a:t>Real estate is also a domain that is affected by the applications of </a:t>
             </a:r>
             <a:r>
               <a:rPr lang="en-US" sz="2400" dirty="0" err="1"/>
@@ -9986,23 +9335,15 @@
             </a:pPr>
             <a:r>
               <a:rPr lang="en-US" sz="2400" b="1" dirty="0"/>
-              <a:t>10. Digital </a:t>
-            </a:r>
-            <a:r>
-              <a:rPr lang="en-US" sz="2400" b="1" dirty="0" smtClean="0"/>
-              <a:t>IDs: </a:t>
-            </a:r>
-            <a:r>
-              <a:rPr lang="en-US" sz="2400" dirty="0" err="1" smtClean="0"/>
+              <a:t>10. Digital IDs: </a:t>
+            </a:r>
+            <a:r>
+              <a:rPr lang="en-US" sz="2400" dirty="0" err="1"/>
               <a:t>Blockchain</a:t>
             </a:r>
             <a:r>
-              <a:rPr lang="en-US" sz="2400" dirty="0" smtClean="0"/>
-              <a:t> </a:t>
-            </a:r>
-            <a:r>
-              <a:rPr lang="en-US" sz="2400" dirty="0"/>
-              <a:t>is also now used by different companies for Digital Id. These digital IDs will be managed by the owner’s private keys and will also help avoid excess personal information over the internet.</a:t>
+              <a:rPr lang="en-US" sz="2400" dirty="0"/>
+              <a:t> is also now used by different companies for Digital Id. These digital IDs will be managed by the owner’s private keys and will also help avoid excess personal information over the internet.</a:t>
             </a:r>
           </a:p>
           <a:p>
@@ -10069,42 +9410,25 @@
               <a:buNone/>
             </a:pPr>
             <a:r>
-              <a:rPr lang="en-US" b="1" dirty="0" smtClean="0"/>
-              <a:t>Design Principles </a:t>
-            </a:r>
-            <a:r>
               <a:rPr lang="en-US" b="1" dirty="0"/>
-              <a:t>o</a:t>
-            </a:r>
-            <a:r>
-              <a:rPr lang="en-US" b="1" dirty="0" smtClean="0"/>
-              <a:t>f </a:t>
-            </a:r>
-            <a:r>
-              <a:rPr lang="en-US" b="1" dirty="0" err="1" smtClean="0"/>
+              <a:t>Design Principles of </a:t>
+            </a:r>
+            <a:r>
+              <a:rPr lang="en-US" b="1" dirty="0" err="1"/>
               <a:t>Blockchain</a:t>
             </a:r>
             <a:r>
-              <a:rPr lang="en-US" b="1" dirty="0" smtClean="0"/>
+              <a:rPr lang="en-US" b="1" dirty="0"/>
               <a:t>:</a:t>
             </a:r>
-            <a:endParaRPr lang="en-US" b="1" dirty="0"/>
           </a:p>
           <a:p>
             <a:pPr marL="0" indent="0" algn="just">
               <a:buNone/>
             </a:pPr>
             <a:r>
-              <a:rPr lang="en-US" sz="2400" b="1" dirty="0" smtClean="0"/>
-              <a:t>1) Design </a:t>
-            </a:r>
-            <a:r>
               <a:rPr lang="en-US" sz="2400" b="1" dirty="0"/>
-              <a:t>for </a:t>
-            </a:r>
-            <a:r>
-              <a:rPr lang="en-US" sz="2400" b="1" dirty="0" smtClean="0"/>
-              <a:t>trust: </a:t>
+              <a:t>1) Design for trust: </a:t>
             </a:r>
             <a:r>
               <a:rPr lang="en-US" sz="2400" dirty="0"/>
@@ -10127,7 +9451,7 @@
               <a:buNone/>
             </a:pPr>
             <a:r>
-              <a:rPr lang="en-US" sz="2400" b="1" dirty="0" smtClean="0"/>
+              <a:rPr lang="en-US" sz="2400" b="1" dirty="0"/>
               <a:t>2) Data exposure: </a:t>
             </a:r>
             <a:r>
@@ -10157,12 +9481,8 @@
               <a:buNone/>
             </a:pPr>
             <a:r>
-              <a:rPr lang="en-US" sz="2400" b="1" dirty="0" smtClean="0"/>
-              <a:t>3) Consistency</a:t>
-            </a:r>
-            <a:r>
               <a:rPr lang="en-US" sz="2400" b="1" dirty="0"/>
-              <a:t>: </a:t>
+              <a:t>3) Consistency: </a:t>
             </a:r>
             <a:r>
               <a:rPr lang="en-US" sz="2400" dirty="0"/>
@@ -10176,7 +9496,6 @@
               <a:rPr lang="en-US" sz="2400" dirty="0"/>
               <a:t> technology as this enables adoption and learning.</a:t>
             </a:r>
-            <a:endParaRPr lang="en-US" sz="2400" dirty="0" smtClean="0"/>
           </a:p>
           <a:p>
             <a:pPr marL="0" indent="0" algn="just">
@@ -10188,7 +9507,7 @@
             <a:pPr marL="0" indent="0" algn="just">
               <a:buNone/>
             </a:pPr>
-            <a:endParaRPr lang="en-US" sz="4600" dirty="0" smtClean="0"/>
+            <a:endParaRPr lang="en-US" sz="4600" dirty="0"/>
           </a:p>
         </p:txBody>
       </p:sp>
@@ -10248,32 +9567,12 @@
               <a:buNone/>
             </a:pPr>
             <a:r>
-              <a:rPr lang="en-US" sz="2300" b="1" dirty="0" smtClean="0"/>
+              <a:rPr lang="en-US" sz="2300" b="1" dirty="0"/>
               <a:t>4) Constant feedback: </a:t>
             </a:r>
             <a:r>
-              <a:rPr lang="en-US" sz="2300" dirty="0" smtClean="0"/>
-              <a:t>Help users </a:t>
-            </a:r>
-            <a:r>
               <a:rPr lang="en-US" sz="2300" dirty="0"/>
-              <a:t>understand what is happening and reduce anxiety by designing constant feedback. Motion and </a:t>
-            </a:r>
-            <a:r>
-              <a:rPr lang="en-US" sz="2300" dirty="0" smtClean="0"/>
-              <a:t>animation supports </a:t>
-            </a:r>
-            <a:r>
-              <a:rPr lang="en-US" sz="2300" dirty="0"/>
-              <a:t>understanding of what is happening</a:t>
-            </a:r>
-            <a:r>
-              <a:rPr lang="en-US" sz="2300" dirty="0" smtClean="0"/>
-              <a:t>. </a:t>
-            </a:r>
-            <a:r>
-              <a:rPr lang="en-US" sz="2300" dirty="0"/>
-              <a:t>The user should always know what is happening, what just happened, and what will happen next.</a:t>
+              <a:t>Help users understand what is happening and reduce anxiety by designing constant feedback. Motion and animation supports understanding of what is happening. The user should always know what is happening, what just happened, and what will happen next.</a:t>
             </a:r>
             <a:endParaRPr lang="en-US" sz="2300" b="1" dirty="0"/>
           </a:p>
@@ -10282,16 +9581,8 @@
               <a:buNone/>
             </a:pPr>
             <a:r>
-              <a:rPr lang="en-US" sz="2300" b="1" dirty="0" smtClean="0"/>
-              <a:t>5) Allow </a:t>
-            </a:r>
-            <a:r>
               <a:rPr lang="en-US" sz="2300" b="1" dirty="0"/>
-              <a:t>for and anticipate mistakes to be </a:t>
-            </a:r>
-            <a:r>
-              <a:rPr lang="en-US" sz="2300" b="1" dirty="0" smtClean="0"/>
-              <a:t>made: </a:t>
+              <a:t>5) Allow for and anticipate mistakes to be made: </a:t>
             </a:r>
             <a:r>
               <a:rPr lang="en-US" sz="2300" dirty="0"/>
@@ -10303,70 +9594,30 @@
             </a:r>
             <a:r>
               <a:rPr lang="en-US" sz="2300" dirty="0"/>
-              <a:t> is effectively immutable, </a:t>
-            </a:r>
-            <a:r>
-              <a:rPr lang="en-US" sz="2300" dirty="0" smtClean="0"/>
-              <a:t>pay </a:t>
+              <a:t> is effectively immutable, pay extra attention to user actions that are irreversible. Add in levels of friction or confirmation to reduce error and direct to next steps, should a mistake occur.</a:t>
+            </a:r>
+            <a:endParaRPr lang="en-US" sz="2300" b="1" dirty="0"/>
+          </a:p>
+          <a:p>
+            <a:pPr marL="0" indent="0" algn="just">
+              <a:buNone/>
+            </a:pPr>
+            <a:r>
+              <a:rPr lang="en-US" sz="2300" b="1" dirty="0"/>
+              <a:t>6) Active Guidance: </a:t>
             </a:r>
             <a:r>
               <a:rPr lang="en-US" sz="2300" dirty="0"/>
-              <a:t>extra attention to user actions that are </a:t>
-            </a:r>
-            <a:r>
-              <a:rPr lang="en-US" sz="2300" dirty="0" smtClean="0"/>
-              <a:t>irreversible. Add </a:t>
-            </a:r>
+              <a:t>Zero states are common in many of products, so make sure to provide a natural next step. Users must have clear, persistent navigation — they should easily know how to get back to a previous state and what their next step is.</a:t>
+            </a:r>
+          </a:p>
+          <a:p>
+            <a:pPr marL="0" indent="0" algn="just">
+              <a:buNone/>
+            </a:pPr>
             <a:r>
               <a:rPr lang="en-US" sz="2300" dirty="0"/>
-              <a:t>in levels of friction or confirmation to reduce error and direct to next steps, should a mistake occur.</a:t>
-            </a:r>
-            <a:endParaRPr lang="en-US" sz="2300" b="1" dirty="0"/>
-          </a:p>
-          <a:p>
-            <a:pPr marL="0" indent="0" algn="just">
-              <a:buNone/>
-            </a:pPr>
-            <a:r>
-              <a:rPr lang="en-US" sz="2300" b="1" dirty="0" smtClean="0"/>
-              <a:t>6) Active Guidance: </a:t>
-            </a:r>
-            <a:r>
-              <a:rPr lang="en-US" sz="2300" dirty="0"/>
-              <a:t>Zero states are common in many of </a:t>
-            </a:r>
-            <a:r>
-              <a:rPr lang="en-US" sz="2300" dirty="0" smtClean="0"/>
-              <a:t>products</a:t>
-            </a:r>
-            <a:r>
-              <a:rPr lang="en-US" sz="2300" dirty="0"/>
-              <a:t>, </a:t>
-            </a:r>
-            <a:r>
-              <a:rPr lang="en-US" sz="2300" dirty="0" smtClean="0"/>
-              <a:t>so </a:t>
-            </a:r>
-            <a:r>
-              <a:rPr lang="en-US" sz="2300" dirty="0"/>
-              <a:t>make sure to provide a natural next step. Users must have clear, persistent navigation — they should easily know how to get back to a previous state and what their next step </a:t>
-            </a:r>
-            <a:r>
-              <a:rPr lang="en-US" sz="2300" dirty="0" smtClean="0"/>
-              <a:t>is.</a:t>
-            </a:r>
-          </a:p>
-          <a:p>
-            <a:pPr marL="0" indent="0" algn="just">
-              <a:buNone/>
-            </a:pPr>
-            <a:r>
-              <a:rPr lang="en-US" sz="2300" dirty="0" smtClean="0"/>
-              <a:t>Anticipates </a:t>
-            </a:r>
-            <a:r>
-              <a:rPr lang="en-US" sz="2300" dirty="0"/>
-              <a:t>the need for further help and seeks to reduce it, while being cognizant of </a:t>
+              <a:t>Anticipates the need for further help and seeks to reduce it, while being cognizant of </a:t>
             </a:r>
             <a:r>
               <a:rPr lang="en-US" sz="2300" i="1" dirty="0"/>
@@ -10374,23 +9625,7 @@
             </a:r>
             <a:r>
               <a:rPr lang="en-US" sz="2300" dirty="0"/>
-              <a:t> our personas are most likely to go for </a:t>
-            </a:r>
-            <a:r>
-              <a:rPr lang="en-US" sz="2300" dirty="0" smtClean="0"/>
-              <a:t>help. </a:t>
-            </a:r>
-            <a:r>
-              <a:rPr lang="en-US" sz="2300" dirty="0"/>
-              <a:t>C</a:t>
-            </a:r>
-            <a:r>
-              <a:rPr lang="en-US" sz="2300" dirty="0" smtClean="0"/>
-              <a:t>reate </a:t>
-            </a:r>
-            <a:r>
-              <a:rPr lang="en-US" sz="2300" dirty="0"/>
-              <a:t>transparency and eliminate uncertainty, and give suggestions for the things users don’t remember.</a:t>
+              <a:t> our personas are most likely to go for help. Create transparency and eliminate uncertainty, and give suggestions for the things users don’t remember.</a:t>
             </a:r>
             <a:endParaRPr lang="en-US" sz="2300" b="1" dirty="0"/>
           </a:p>
@@ -10452,15 +9687,15 @@
               <a:buNone/>
             </a:pPr>
             <a:r>
-              <a:rPr lang="en-US" sz="2400" b="1" dirty="0" smtClean="0"/>
+              <a:rPr lang="en-US" sz="2400" b="1" dirty="0"/>
               <a:t>What is </a:t>
             </a:r>
             <a:r>
-              <a:rPr lang="en-US" sz="2400" b="1" dirty="0" err="1" smtClean="0"/>
+              <a:rPr lang="en-US" sz="2400" b="1" dirty="0" err="1"/>
               <a:t>Blockchain</a:t>
             </a:r>
             <a:r>
-              <a:rPr lang="en-US" sz="2400" b="1" dirty="0" smtClean="0"/>
+              <a:rPr lang="en-US" sz="2400" b="1" dirty="0"/>
               <a:t>?</a:t>
             </a:r>
           </a:p>
@@ -10468,21 +9703,17 @@
             <a:pPr marL="0" indent="0">
               <a:buNone/>
             </a:pPr>
-            <a:endParaRPr lang="en-US" sz="2400" b="1" dirty="0" smtClean="0"/>
+            <a:endParaRPr lang="en-US" sz="2400" b="1" dirty="0"/>
           </a:p>
           <a:p>
             <a:pPr algn="just"/>
             <a:r>
-              <a:rPr lang="en-US" sz="2400" dirty="0" err="1" smtClean="0"/>
+              <a:rPr lang="en-US" sz="2400" dirty="0" err="1"/>
               <a:t>Blockchain</a:t>
             </a:r>
             <a:r>
-              <a:rPr lang="en-US" sz="2400" dirty="0" smtClean="0"/>
-              <a:t> </a:t>
-            </a:r>
-            <a:r>
-              <a:rPr lang="en-US" sz="2400" dirty="0"/>
-              <a:t>is a type of shared database that differs from a typical database in the way that it stores information; </a:t>
+              <a:rPr lang="en-US" sz="2400" dirty="0"/>
+              <a:t> is a type of shared database that differs from a typical database in the way that it stores information; </a:t>
             </a:r>
             <a:r>
               <a:rPr lang="en-US" sz="2400" dirty="0" err="1"/>
@@ -10533,13 +9764,6 @@
   <p:clrMapOvr>
     <a:masterClrMapping/>
   </p:clrMapOvr>
-  <p:timing>
-    <p:tnLst>
-      <p:par>
-        <p:cTn id="1" dur="indefinite" restart="never" nodeType="tmRoot"/>
-      </p:par>
-    </p:tnLst>
-  </p:timing>
 </p:sld>
 </file>
 
@@ -10586,15 +9810,15 @@
               <a:buNone/>
             </a:pPr>
             <a:r>
-              <a:rPr lang="en-IN" sz="2800" b="1" dirty="0" smtClean="0"/>
+              <a:rPr lang="en-IN" sz="2800" b="1" dirty="0"/>
               <a:t>The </a:t>
             </a:r>
             <a:r>
-              <a:rPr lang="en-IN" sz="2800" b="1" dirty="0" err="1" smtClean="0"/>
+              <a:rPr lang="en-IN" sz="2800" b="1" dirty="0" err="1"/>
               <a:t>Blockchain</a:t>
             </a:r>
             <a:r>
-              <a:rPr lang="en-IN" sz="2800" b="1" dirty="0" smtClean="0"/>
+              <a:rPr lang="en-IN" sz="2800" b="1" dirty="0"/>
               <a:t> Ecosystem:</a:t>
             </a:r>
           </a:p>
@@ -10614,14 +9838,13 @@
               <a:rPr lang="en-US" sz="2300" dirty="0"/>
               <a:t> technology. </a:t>
             </a:r>
-            <a:endParaRPr lang="en-US" sz="2300" dirty="0" smtClean="0"/>
           </a:p>
           <a:p>
             <a:pPr marL="0" indent="0" algn="just" fontAlgn="base">
               <a:buNone/>
             </a:pPr>
             <a:r>
-              <a:rPr lang="en-US" sz="2300" u="sng" dirty="0" err="1" smtClean="0">
+              <a:rPr lang="en-US" sz="2300" u="sng" dirty="0" err="1">
                 <a:hlinkClick r:id="rId2"/>
               </a:rPr>
               <a:t>Blockchain</a:t>
@@ -10653,11 +9876,7 @@
             </a:r>
             <a:r>
               <a:rPr lang="en-US" sz="2300" dirty="0"/>
-              <a:t> network that share the business process and business objectives</a:t>
-            </a:r>
-            <a:r>
-              <a:rPr lang="en-US" sz="2300" dirty="0" smtClean="0"/>
-              <a:t>.</a:t>
+              <a:t> network that share the business process and business objectives.</a:t>
             </a:r>
           </a:p>
           <a:p>
@@ -10782,30 +10001,22 @@
             </a:r>
             <a:r>
               <a:rPr lang="en-US" sz="2300" dirty="0"/>
-              <a:t> ecosystem is a boon for startups and new technology projects as it creates an interconnected network</a:t>
-            </a:r>
-            <a:r>
-              <a:rPr lang="en-US" sz="2300" dirty="0" smtClean="0"/>
-              <a:t>.</a:t>
+              <a:t> ecosystem is a boon for startups and new technology projects as it creates an interconnected network.</a:t>
             </a:r>
           </a:p>
           <a:p>
             <a:pPr marL="0" indent="0" fontAlgn="base">
               <a:buNone/>
             </a:pPr>
-            <a:endParaRPr lang="en-US" sz="2400" b="1" dirty="0" smtClean="0"/>
+            <a:endParaRPr lang="en-US" sz="2400" b="1" dirty="0"/>
           </a:p>
           <a:p>
             <a:pPr marL="0" indent="0" fontAlgn="base">
               <a:buNone/>
             </a:pPr>
             <a:r>
-              <a:rPr lang="en-US" sz="2400" b="1" dirty="0" smtClean="0"/>
-              <a:t>Types </a:t>
-            </a:r>
-            <a:r>
               <a:rPr lang="en-US" sz="2400" b="1" dirty="0"/>
-              <a:t>of </a:t>
+              <a:t>Types of </a:t>
             </a:r>
             <a:r>
               <a:rPr lang="en-US" sz="2400" b="1" dirty="0" err="1"/>
@@ -10875,7 +10086,7 @@
               <a:buNone/>
             </a:pPr>
             <a:r>
-              <a:rPr lang="en-US" sz="2300" b="1" dirty="0" smtClean="0"/>
+              <a:rPr lang="en-US" sz="2300" b="1" dirty="0"/>
               <a:t>Regulatory </a:t>
             </a:r>
             <a:r>
@@ -11092,39 +10303,30 @@
             </a:pPr>
             <a:r>
               <a:rPr lang="en-US" sz="2600" b="1" dirty="0"/>
-              <a:t>Important </a:t>
-            </a:r>
-            <a:r>
-              <a:rPr lang="en-US" sz="2600" b="1" dirty="0" smtClean="0"/>
-              <a:t>of </a:t>
-            </a:r>
-            <a:r>
-              <a:rPr lang="en-US" sz="2600" b="1" dirty="0" err="1" smtClean="0"/>
+              <a:t>Important of </a:t>
+            </a:r>
+            <a:r>
+              <a:rPr lang="en-US" sz="2600" b="1" dirty="0" err="1"/>
               <a:t>Blockchain</a:t>
             </a:r>
             <a:r>
-              <a:rPr lang="en-US" sz="2600" b="1" dirty="0" smtClean="0"/>
+              <a:rPr lang="en-US" sz="2600" b="1" dirty="0"/>
               <a:t> ecosystems for Organizations</a:t>
             </a:r>
-            <a:endParaRPr lang="en-US" sz="2600" b="1" dirty="0"/>
           </a:p>
           <a:p>
             <a:pPr marL="0" indent="0" algn="just" fontAlgn="base">
               <a:buNone/>
             </a:pPr>
-            <a:endParaRPr lang="en-US" sz="2400" dirty="0" smtClean="0"/>
+            <a:endParaRPr lang="en-US" sz="2400" dirty="0"/>
           </a:p>
           <a:p>
             <a:pPr marL="0" indent="0" algn="just" fontAlgn="base">
               <a:buNone/>
             </a:pPr>
             <a:r>
-              <a:rPr lang="en-US" sz="2400" dirty="0" smtClean="0"/>
-              <a:t>Below </a:t>
-            </a:r>
-            <a:r>
-              <a:rPr lang="en-US" sz="2400" dirty="0"/>
-              <a:t>are some of the reasons why an ecosystem is an essential solution for organizations:</a:t>
+              <a:rPr lang="en-US" sz="2400" dirty="0"/>
+              <a:t>Below are some of the reasons why an ecosystem is an essential solution for organizations:</a:t>
             </a:r>
           </a:p>
           <a:p>
@@ -11166,13 +10368,8 @@
             </a:r>
             <a:r>
               <a:rPr lang="en-US" sz="2400" dirty="0"/>
-              <a:t> ecosystem helps organizations to move beyond their traditional mindset as well as the dynamic limitations of a particular supply-chain network</a:t>
-            </a:r>
-            <a:r>
-              <a:rPr lang="en-US" sz="2400" dirty="0" smtClean="0"/>
-              <a:t>.</a:t>
-            </a:r>
-            <a:endParaRPr lang="en-US" sz="2400" dirty="0"/>
+              <a:t> ecosystem helps organizations to move beyond their traditional mindset as well as the dynamic limitations of a particular supply-chain network.</a:t>
+            </a:r>
           </a:p>
         </p:txBody>
       </p:sp>
@@ -11241,13 +10438,8 @@
             </a:r>
             <a:r>
               <a:rPr lang="en-US" sz="2800" b="1" dirty="0"/>
-              <a:t> Ecosystem Benefit Organizations</a:t>
-            </a:r>
-            <a:r>
-              <a:rPr lang="en-US" sz="2800" b="1" dirty="0" smtClean="0"/>
-              <a:t>?</a:t>
-            </a:r>
-            <a:endParaRPr lang="en-US" sz="2800" b="1" dirty="0"/>
+              <a:t> Ecosystem Benefit Organizations?</a:t>
+            </a:r>
           </a:p>
           <a:p>
             <a:pPr marL="0" indent="0" algn="just" fontAlgn="base">
@@ -11261,25 +10453,20 @@
               <a:rPr lang="en-US" sz="2400" dirty="0"/>
               <a:t> technology is having a profound effect on every aspect of our lives and economy, starting with disrupting business processes. </a:t>
             </a:r>
-            <a:endParaRPr lang="en-US" sz="2400" dirty="0" smtClean="0"/>
           </a:p>
           <a:p>
             <a:pPr marL="0" indent="0" algn="just" fontAlgn="base">
               <a:buNone/>
             </a:pPr>
-            <a:endParaRPr lang="en-US" sz="2400" dirty="0" smtClean="0"/>
+            <a:endParaRPr lang="en-US" sz="2400" dirty="0"/>
           </a:p>
           <a:p>
             <a:pPr marL="0" indent="0" algn="just" fontAlgn="base">
               <a:buNone/>
             </a:pPr>
             <a:r>
-              <a:rPr lang="en-US" sz="2400" dirty="0" smtClean="0"/>
-              <a:t>One </a:t>
-            </a:r>
-            <a:r>
-              <a:rPr lang="en-US" sz="2400" dirty="0"/>
-              <a:t>of the advantages of </a:t>
+              <a:rPr lang="en-US" sz="2400" dirty="0"/>
+              <a:t>One of the advantages of </a:t>
             </a:r>
             <a:r>
               <a:rPr lang="en-US" sz="2400" dirty="0" err="1"/>
@@ -11297,25 +10484,20 @@
               <a:rPr lang="en-US" sz="2400" dirty="0"/>
               <a:t> are decentralized and transparent, greatly reducing risks while providing complete security. </a:t>
             </a:r>
-            <a:endParaRPr lang="en-US" sz="2400" dirty="0" smtClean="0"/>
           </a:p>
           <a:p>
             <a:pPr marL="0" indent="0" algn="just" fontAlgn="base">
               <a:buNone/>
             </a:pPr>
-            <a:endParaRPr lang="en-US" sz="2400" dirty="0" smtClean="0"/>
+            <a:endParaRPr lang="en-US" sz="2400" dirty="0"/>
           </a:p>
           <a:p>
             <a:pPr marL="0" indent="0" algn="just" fontAlgn="base">
               <a:buNone/>
             </a:pPr>
             <a:r>
-              <a:rPr lang="en-US" sz="2400" dirty="0" smtClean="0"/>
-              <a:t>Below </a:t>
-            </a:r>
-            <a:r>
-              <a:rPr lang="en-US" sz="2400" dirty="0"/>
-              <a:t>are some of the ways in which the </a:t>
+              <a:rPr lang="en-US" sz="2400" dirty="0"/>
+              <a:t>Below are some of the ways in which the </a:t>
             </a:r>
             <a:r>
               <a:rPr lang="en-US" sz="2400" dirty="0" err="1"/>
@@ -11323,19 +10505,7 @@
             </a:r>
             <a:r>
               <a:rPr lang="en-US" sz="2400" dirty="0"/>
-              <a:t> </a:t>
-            </a:r>
-            <a:r>
-              <a:rPr lang="en-US" sz="2400" dirty="0" smtClean="0"/>
-              <a:t>ecosystem </a:t>
-            </a:r>
-            <a:r>
-              <a:rPr lang="en-US" sz="2400" dirty="0"/>
-              <a:t>can benefit organizations</a:t>
-            </a:r>
-            <a:r>
-              <a:rPr lang="en-US" sz="2400" dirty="0" smtClean="0"/>
-              <a:t>:</a:t>
+              <a:t> ecosystem can benefit organizations:</a:t>
             </a:r>
           </a:p>
           <a:p>
@@ -11343,44 +10513,8 @@
               <a:buNone/>
             </a:pPr>
             <a:r>
-              <a:rPr lang="en-US" sz="2400" dirty="0" smtClean="0"/>
-              <a:t>Distributed, </a:t>
-            </a:r>
-            <a:r>
-              <a:rPr lang="en-US" sz="2400" dirty="0"/>
-              <a:t>Improve ongoing </a:t>
-            </a:r>
-            <a:r>
-              <a:rPr lang="en-US" sz="2400" dirty="0" smtClean="0"/>
-              <a:t>operation, </a:t>
-            </a:r>
-            <a:r>
-              <a:rPr lang="en-US" sz="2400" dirty="0"/>
-              <a:t> </a:t>
-            </a:r>
-            <a:r>
-              <a:rPr lang="en-US" sz="2400" dirty="0" smtClean="0"/>
-              <a:t>Consensus, </a:t>
-            </a:r>
-            <a:r>
-              <a:rPr lang="en-US" sz="2400" dirty="0"/>
-              <a:t>Smart </a:t>
-            </a:r>
-            <a:r>
-              <a:rPr lang="en-US" sz="2400" dirty="0" smtClean="0"/>
-              <a:t>contracts, Transparency, </a:t>
-            </a:r>
-            <a:r>
-              <a:rPr lang="en-US" sz="2400" dirty="0"/>
-              <a:t>Remodel complete </a:t>
-            </a:r>
-            <a:r>
-              <a:rPr lang="en-US" sz="2400" dirty="0" smtClean="0"/>
-              <a:t>workflow, Facilitate </a:t>
-            </a:r>
-            <a:r>
-              <a:rPr lang="en-US" sz="2400" dirty="0"/>
-              <a:t>cross-enterprise collaboration</a:t>
+              <a:rPr lang="en-US" sz="2400" dirty="0"/>
+              <a:t>Distributed, Improve ongoing operation,  Consensus, Smart contracts, Transparency, Remodel complete workflow, Facilitate cross-enterprise collaboration</a:t>
             </a:r>
           </a:p>
           <a:p>
@@ -11464,12 +10598,8 @@
               <a:buNone/>
             </a:pPr>
             <a:r>
-              <a:rPr lang="en-US" sz="2400" dirty="0" smtClean="0"/>
-              <a:t>Below </a:t>
-            </a:r>
-            <a:r>
-              <a:rPr lang="en-US" sz="2400" dirty="0"/>
-              <a:t>are the five participants in the </a:t>
+              <a:rPr lang="en-US" sz="2400" dirty="0"/>
+              <a:t>Below are the five participants in the </a:t>
             </a:r>
             <a:r>
               <a:rPr lang="en-US" sz="2400" dirty="0" err="1"/>
@@ -11860,12 +10990,8 @@
               <a:buNone/>
             </a:pPr>
             <a:r>
-              <a:rPr lang="en-US" sz="2400" dirty="0" smtClean="0"/>
-              <a:t>Steps in </a:t>
-            </a:r>
-            <a:r>
-              <a:rPr lang="en-US" sz="2400" dirty="0"/>
-              <a:t>building and scaling the </a:t>
+              <a:rPr lang="en-US" sz="2400" dirty="0"/>
+              <a:t>Steps in building and scaling the </a:t>
             </a:r>
             <a:r>
               <a:rPr lang="en-US" sz="2400" dirty="0" err="1"/>
@@ -11886,15 +11012,7 @@
             </a:r>
             <a:r>
               <a:rPr lang="en-US" sz="2400" dirty="0"/>
-              <a:t>This step includes defining the fundamental purpose of the ecosystem actions. </a:t>
-            </a:r>
-            <a:r>
-              <a:rPr lang="en-US" sz="2400" dirty="0" smtClean="0"/>
-              <a:t>Like, How </a:t>
-            </a:r>
-            <a:r>
-              <a:rPr lang="en-US" sz="2400" dirty="0"/>
-              <a:t>would the </a:t>
+              <a:t>This step includes defining the fundamental purpose of the ecosystem actions. Like, How would the </a:t>
             </a:r>
             <a:r>
               <a:rPr lang="en-US" sz="2400" dirty="0" err="1"/>
@@ -11925,7 +11043,6 @@
               <a:rPr lang="en-US" sz="2400" dirty="0"/>
               <a:t> ecosystem. </a:t>
             </a:r>
-            <a:endParaRPr lang="en-US" sz="2400" dirty="0" smtClean="0"/>
           </a:p>
           <a:p>
             <a:pPr marL="0" indent="0" algn="just" fontAlgn="base">
@@ -11939,7 +11056,6 @@
               <a:rPr lang="en-US" sz="2400" dirty="0"/>
               <a:t>Organization will decide to have an idea on which collaboration model will be the best fit for their purpose. </a:t>
             </a:r>
-            <a:endParaRPr lang="en-US" sz="2400" dirty="0" smtClean="0"/>
           </a:p>
           <a:p>
             <a:pPr marL="0" indent="0" algn="just" fontAlgn="base">
@@ -11951,11 +11067,7 @@
             </a:r>
             <a:r>
               <a:rPr lang="en-US" sz="2400" dirty="0"/>
-              <a:t>This is the most important step as it is very important to consider who will operate the network and how it will be governed</a:t>
-            </a:r>
-            <a:r>
-              <a:rPr lang="en-US" sz="2400" dirty="0" smtClean="0"/>
-              <a:t>.</a:t>
+              <a:t>This is the most important step as it is very important to consider who will operate the network and how it will be governed.</a:t>
             </a:r>
           </a:p>
           <a:p>
@@ -12029,15 +11141,15 @@
               <a:buNone/>
             </a:pPr>
             <a:r>
-              <a:rPr lang="en-US" sz="2400" b="1" dirty="0" smtClean="0"/>
+              <a:rPr lang="en-US" sz="2400" b="1" dirty="0"/>
               <a:t>What is </a:t>
             </a:r>
             <a:r>
-              <a:rPr lang="en-US" sz="2400" b="1" dirty="0" err="1" smtClean="0"/>
+              <a:rPr lang="en-US" sz="2400" b="1" dirty="0" err="1"/>
               <a:t>Blockchain</a:t>
             </a:r>
             <a:r>
-              <a:rPr lang="en-US" sz="2400" b="1" dirty="0" smtClean="0"/>
+              <a:rPr lang="en-US" sz="2400" b="1" dirty="0"/>
               <a:t>?</a:t>
             </a:r>
           </a:p>
@@ -12045,51 +11157,51 @@
             <a:pPr marL="0" indent="0">
               <a:buNone/>
             </a:pPr>
-            <a:endParaRPr lang="en-US" sz="2400" b="1" dirty="0" smtClean="0"/>
+            <a:endParaRPr lang="en-US" sz="2400" b="1" dirty="0"/>
           </a:p>
           <a:p>
             <a:pPr algn="just"/>
             <a:r>
-              <a:rPr lang="en-US" sz="2400" dirty="0" smtClean="0"/>
+              <a:rPr lang="en-US" sz="2400" dirty="0"/>
               <a:t>In </a:t>
             </a:r>
             <a:r>
-              <a:rPr lang="en-US" sz="2400" dirty="0" err="1" smtClean="0"/>
+              <a:rPr lang="en-US" sz="2400" dirty="0" err="1"/>
               <a:t>Bitcoin’s</a:t>
             </a:r>
             <a:r>
-              <a:rPr lang="en-US" sz="2400" dirty="0" smtClean="0"/>
+              <a:rPr lang="en-US" sz="2400" dirty="0"/>
               <a:t> case, </a:t>
             </a:r>
             <a:r>
-              <a:rPr lang="en-US" sz="2400" dirty="0" err="1" smtClean="0"/>
+              <a:rPr lang="en-US" sz="2400" dirty="0" err="1"/>
               <a:t>blockchain</a:t>
             </a:r>
             <a:r>
-              <a:rPr lang="en-US" sz="2400" dirty="0" smtClean="0"/>
+              <a:rPr lang="en-US" sz="2400" dirty="0"/>
               <a:t> is used in a decentralized way so that no single person or group has control—rather, all users collectively retain control.</a:t>
             </a:r>
           </a:p>
           <a:p>
             <a:pPr algn="just"/>
             <a:r>
-              <a:rPr lang="en-US" sz="2400" dirty="0" smtClean="0"/>
+              <a:rPr lang="en-US" sz="2400" dirty="0"/>
               <a:t>Decentralized </a:t>
             </a:r>
             <a:r>
-              <a:rPr lang="en-US" sz="2400" dirty="0" err="1" smtClean="0"/>
+              <a:rPr lang="en-US" sz="2400" dirty="0" err="1"/>
               <a:t>blockchains</a:t>
             </a:r>
             <a:r>
-              <a:rPr lang="en-US" sz="2400" dirty="0" smtClean="0"/>
+              <a:rPr lang="en-US" sz="2400" dirty="0"/>
               <a:t> are immutable, which means that the data entered is irreversible. For </a:t>
             </a:r>
             <a:r>
-              <a:rPr lang="en-US" sz="2400" dirty="0" err="1" smtClean="0"/>
+              <a:rPr lang="en-US" sz="2400" dirty="0" err="1"/>
               <a:t>Bitcoin</a:t>
             </a:r>
             <a:r>
-              <a:rPr lang="en-US" sz="2400" dirty="0" smtClean="0"/>
+              <a:rPr lang="en-US" sz="2400" dirty="0"/>
               <a:t>, this means that transactions are permanently recorded and viewable to anyone.</a:t>
             </a:r>
           </a:p>
@@ -12111,13 +11223,6 @@
   <p:clrMapOvr>
     <a:masterClrMapping/>
   </p:clrMapOvr>
-  <p:timing>
-    <p:tnLst>
-      <p:par>
-        <p:cTn id="1" dur="indefinite" restart="never" nodeType="tmRoot"/>
-      </p:par>
-    </p:tnLst>
-  </p:timing>
 </p:sld>
 </file>
 
@@ -12164,15 +11269,15 @@
               <a:buNone/>
             </a:pPr>
             <a:r>
-              <a:rPr lang="en-US" sz="2800" b="1" dirty="0" smtClean="0"/>
+              <a:rPr lang="en-US" sz="2800" b="1" dirty="0"/>
               <a:t>Definition of </a:t>
             </a:r>
             <a:r>
-              <a:rPr lang="en-US" sz="2800" b="1" dirty="0" err="1" smtClean="0"/>
+              <a:rPr lang="en-US" sz="2800" b="1" dirty="0" err="1"/>
               <a:t>Blockchain</a:t>
             </a:r>
             <a:r>
-              <a:rPr lang="en-US" sz="2800" b="1" dirty="0" smtClean="0"/>
+              <a:rPr lang="en-US" sz="2800" b="1" dirty="0"/>
               <a:t>:</a:t>
             </a:r>
           </a:p>
@@ -12180,63 +11285,53 @@
             <a:pPr marL="0" indent="0">
               <a:buNone/>
             </a:pPr>
-            <a:endParaRPr lang="en-US" sz="2400" b="1" dirty="0" smtClean="0"/>
+            <a:endParaRPr lang="en-US" sz="2400" b="1" dirty="0"/>
           </a:p>
           <a:p>
             <a:pPr marL="0" indent="0" algn="just">
               <a:buNone/>
             </a:pPr>
             <a:r>
-              <a:rPr lang="en-US" sz="2400" dirty="0" err="1" smtClean="0"/>
+              <a:rPr lang="en-US" sz="2400" dirty="0" err="1"/>
               <a:t>Blockchain</a:t>
             </a:r>
             <a:r>
               <a:rPr lang="en-US" sz="2400" dirty="0"/>
               <a:t> can be defined as a distributed ledger technology for storing information in such a manner that makes it tamper-proof. </a:t>
             </a:r>
-            <a:endParaRPr lang="en-US" sz="2400" dirty="0" smtClean="0"/>
           </a:p>
           <a:p>
             <a:pPr marL="0" indent="0" algn="just">
               <a:buNone/>
             </a:pPr>
-            <a:endParaRPr lang="en-US" sz="2400" dirty="0" smtClean="0"/>
+            <a:endParaRPr lang="en-US" sz="2400" dirty="0"/>
           </a:p>
           <a:p>
             <a:pPr marL="0" indent="0" algn="just">
               <a:buNone/>
             </a:pPr>
             <a:r>
-              <a:rPr lang="en-US" sz="2400" dirty="0" smtClean="0"/>
-              <a:t>It </a:t>
-            </a:r>
-            <a:r>
-              <a:rPr lang="en-US" sz="2400" dirty="0"/>
-              <a:t>works on protocols designed to make an agreement among different parties who do not trust each other so that they can work together to achieve different purposes which benefit the whole group. </a:t>
-            </a:r>
-            <a:endParaRPr lang="en-US" sz="2400" dirty="0" smtClean="0"/>
+              <a:rPr lang="en-US" sz="2400" dirty="0"/>
+              <a:t>It works on protocols designed to make an agreement among different parties who do not trust each other so that they can work together to achieve different purposes which benefit the whole group. </a:t>
+            </a:r>
           </a:p>
           <a:p>
             <a:pPr marL="0" indent="0" algn="just">
               <a:buNone/>
             </a:pPr>
-            <a:endParaRPr lang="en-US" sz="2400" dirty="0" smtClean="0"/>
+            <a:endParaRPr lang="en-US" sz="2400" dirty="0"/>
           </a:p>
           <a:p>
             <a:pPr marL="0" indent="0" algn="just">
               <a:buNone/>
             </a:pPr>
             <a:r>
-              <a:rPr lang="en-US" sz="2400" b="1" dirty="0" err="1" smtClean="0"/>
+              <a:rPr lang="en-US" sz="2400" b="1" dirty="0" err="1"/>
               <a:t>Blockchain</a:t>
             </a:r>
             <a:r>
-              <a:rPr lang="en-US" sz="2400" b="1" dirty="0" smtClean="0"/>
-              <a:t> </a:t>
-            </a:r>
-            <a:r>
               <a:rPr lang="en-US" sz="2400" b="1" dirty="0"/>
-              <a:t>technology first got its recognition when Satoshi </a:t>
+              <a:t> technology first got its recognition when Satoshi </a:t>
             </a:r>
             <a:r>
               <a:rPr lang="en-US" sz="2400" b="1" dirty="0" err="1"/>
@@ -12264,13 +11359,6 @@
   <p:clrMapOvr>
     <a:masterClrMapping/>
   </p:clrMapOvr>
-  <p:timing>
-    <p:tnLst>
-      <p:par>
-        <p:cTn id="1" dur="indefinite" restart="never" nodeType="tmRoot"/>
-      </p:par>
-    </p:tnLst>
-  </p:timing>
 </p:sld>
 </file>
 
@@ -12326,11 +11414,7 @@
             </a:r>
             <a:r>
               <a:rPr lang="en-US" sz="2400" b="1" dirty="0"/>
-              <a:t> is </a:t>
-            </a:r>
-            <a:r>
-              <a:rPr lang="en-US" sz="2400" b="1" dirty="0" smtClean="0"/>
-              <a:t>important?</a:t>
+              <a:t> is important?</a:t>
             </a:r>
           </a:p>
           <a:p>
@@ -12344,14 +11428,9 @@
               <a:buNone/>
             </a:pPr>
             <a:r>
-              <a:rPr lang="en-US" sz="2400" dirty="0" smtClean="0"/>
-              <a:t>Business </a:t>
-            </a:r>
-            <a:r>
-              <a:rPr lang="en-US" sz="2400" dirty="0"/>
-              <a:t>runs on information. The faster it’s received and the more accurate it is, the better. </a:t>
-            </a:r>
-            <a:endParaRPr lang="en-US" sz="2400" dirty="0" smtClean="0"/>
+              <a:rPr lang="en-US" sz="2400" dirty="0"/>
+              <a:t>Business runs on information. The faster it’s received and the more accurate it is, the better. </a:t>
+            </a:r>
           </a:p>
           <a:p>
             <a:pPr marL="0" indent="0" algn="just">
@@ -12364,18 +11443,13 @@
               <a:buNone/>
             </a:pPr>
             <a:r>
-              <a:rPr lang="en-US" sz="2400" dirty="0" err="1" smtClean="0"/>
+              <a:rPr lang="en-US" sz="2400" dirty="0" err="1"/>
               <a:t>Blockchain</a:t>
             </a:r>
             <a:r>
-              <a:rPr lang="en-US" sz="2400" dirty="0" smtClean="0"/>
-              <a:t> </a:t>
-            </a:r>
-            <a:r>
-              <a:rPr lang="en-US" sz="2400" dirty="0"/>
-              <a:t>is ideal for delivering that information because it provides immediate, shared and completely transparent information stored on an immutable ledger that can be accessed only by permissioned network members. </a:t>
-            </a:r>
-            <a:endParaRPr lang="en-US" sz="2400" dirty="0" smtClean="0"/>
+              <a:rPr lang="en-US" sz="2400" dirty="0"/>
+              <a:t> is ideal for delivering that information because it provides immediate, shared and completely transparent information stored on an immutable ledger that can be accessed only by permissioned network members. </a:t>
+            </a:r>
           </a:p>
           <a:p>
             <a:pPr marL="0" indent="0" algn="just">
@@ -12388,7 +11462,7 @@
               <a:buNone/>
             </a:pPr>
             <a:r>
-              <a:rPr lang="en-US" sz="2400" dirty="0" smtClean="0"/>
+              <a:rPr lang="en-US" sz="2400" dirty="0"/>
               <a:t>A </a:t>
             </a:r>
             <a:r>
@@ -12413,13 +11487,6 @@
   <p:clrMapOvr>
     <a:masterClrMapping/>
   </p:clrMapOvr>
-  <p:timing>
-    <p:tnLst>
-      <p:par>
-        <p:cTn id="1" dur="indefinite" restart="never" nodeType="tmRoot"/>
-      </p:par>
-    </p:tnLst>
-  </p:timing>
 </p:sld>
 </file>
 
@@ -12470,14 +11537,13 @@
               <a:t>Key elements of a </a:t>
             </a:r>
             <a:r>
-              <a:rPr lang="en-US" sz="2400" dirty="0" err="1" smtClean="0"/>
+              <a:rPr lang="en-US" sz="2400" dirty="0" err="1"/>
               <a:t>blockchain</a:t>
             </a:r>
             <a:r>
-              <a:rPr lang="en-US" sz="2400" dirty="0" smtClean="0"/>
+              <a:rPr lang="en-US" sz="2400" dirty="0"/>
               <a:t>:</a:t>
             </a:r>
-            <a:endParaRPr lang="en-US" sz="2400" dirty="0"/>
           </a:p>
           <a:p>
             <a:pPr marL="0" indent="0" algn="just" fontAlgn="base">
@@ -12559,13 +11625,6 @@
   <p:clrMapOvr>
     <a:masterClrMapping/>
   </p:clrMapOvr>
-  <p:timing>
-    <p:tnLst>
-      <p:par>
-        <p:cTn id="1" dur="indefinite" restart="never" nodeType="tmRoot"/>
-      </p:par>
-    </p:tnLst>
-  </p:timing>
 </p:sld>
 </file>
 
@@ -12616,14 +11675,13 @@
               <a:t>Key elements of a </a:t>
             </a:r>
             <a:r>
-              <a:rPr lang="en-US" sz="2400" dirty="0" err="1" smtClean="0"/>
+              <a:rPr lang="en-US" sz="2400" dirty="0" err="1"/>
               <a:t>blockchain</a:t>
             </a:r>
             <a:r>
-              <a:rPr lang="en-US" sz="2400" dirty="0" smtClean="0"/>
+              <a:rPr lang="en-US" sz="2400" dirty="0"/>
               <a:t>:</a:t>
             </a:r>
-            <a:endParaRPr lang="en-US" sz="2400" dirty="0"/>
           </a:p>
           <a:p>
             <a:pPr marL="0" indent="0" algn="just" fontAlgn="base">
@@ -12705,13 +11763,6 @@
   <p:clrMapOvr>
     <a:masterClrMapping/>
   </p:clrMapOvr>
-  <p:timing>
-    <p:tnLst>
-      <p:par>
-        <p:cTn id="1" dur="indefinite" restart="never" nodeType="tmRoot"/>
-      </p:par>
-    </p:tnLst>
-  </p:timing>
 </p:sld>
 </file>
 
